--- a/Grp2_presentation.pptx
+++ b/Grp2_presentation.pptx
@@ -5,35 +5,28 @@
     <p:sldMasterId id="2147483659" r:id="rId1"/>
   </p:sldMasterIdLst>
   <p:notesMasterIdLst>
-    <p:notesMasterId r:id="rId13"/>
+    <p:notesMasterId r:id="rId6"/>
   </p:notesMasterIdLst>
   <p:sldIdLst>
     <p:sldId id="256" r:id="rId2"/>
     <p:sldId id="257" r:id="rId3"/>
     <p:sldId id="258" r:id="rId4"/>
     <p:sldId id="259" r:id="rId5"/>
-    <p:sldId id="260" r:id="rId6"/>
-    <p:sldId id="261" r:id="rId7"/>
-    <p:sldId id="262" r:id="rId8"/>
-    <p:sldId id="263" r:id="rId9"/>
-    <p:sldId id="264" r:id="rId10"/>
-    <p:sldId id="265" r:id="rId11"/>
-    <p:sldId id="266" r:id="rId12"/>
   </p:sldIdLst>
   <p:sldSz cx="12192000" cy="6858000"/>
   <p:notesSz cx="6858000" cy="9144000"/>
   <p:embeddedFontLst>
     <p:embeddedFont>
       <p:font typeface="Open Sans" panose="020B0606030504020204" pitchFamily="34" charset="0"/>
-      <p:regular r:id="rId14"/>
-      <p:bold r:id="rId15"/>
-      <p:italic r:id="rId16"/>
-      <p:boldItalic r:id="rId17"/>
+      <p:regular r:id="rId7"/>
+      <p:bold r:id="rId8"/>
+      <p:italic r:id="rId9"/>
+      <p:boldItalic r:id="rId10"/>
     </p:embeddedFont>
     <p:embeddedFont>
       <p:font typeface="PT Sans Narrow" panose="020B0506020203020204" pitchFamily="34" charset="77"/>
-      <p:regular r:id="rId18"/>
-      <p:bold r:id="rId19"/>
+      <p:regular r:id="rId11"/>
+      <p:bold r:id="rId12"/>
     </p:embeddedFont>
   </p:embeddedFontLst>
   <p:defaultTextStyle>
@@ -818,214 +811,6 @@
 </p:notes>
 </file>
 
-<file path=ppt/notesSlides/notesSlide10.xml><?xml version="1.0" encoding="utf-8"?>
-<p:notes xmlns:a="http://schemas.openxmlformats.org/drawingml/2006/main" xmlns:r="http://schemas.openxmlformats.org/officeDocument/2006/relationships" xmlns:p="http://schemas.openxmlformats.org/presentationml/2006/main" showMasterSp="0" showMasterPhAnim="0">
-  <p:cSld>
-    <p:spTree>
-      <p:nvGrpSpPr>
-        <p:cNvPr id="1" name="Shape 117"/>
-        <p:cNvGrpSpPr/>
-        <p:nvPr/>
-      </p:nvGrpSpPr>
-      <p:grpSpPr>
-        <a:xfrm>
-          <a:off x="0" y="0"/>
-          <a:ext cx="0" cy="0"/>
-          <a:chOff x="0" y="0"/>
-          <a:chExt cx="0" cy="0"/>
-        </a:xfrm>
-      </p:grpSpPr>
-      <p:sp>
-        <p:nvSpPr>
-          <p:cNvPr id="118" name="Google Shape;118;g3135ddd3cba_5_469:notes"/>
-          <p:cNvSpPr>
-            <a:spLocks noGrp="1" noRot="1" noChangeAspect="1"/>
-          </p:cNvSpPr>
-          <p:nvPr>
-            <p:ph type="sldImg" idx="2"/>
-          </p:nvPr>
-        </p:nvSpPr>
-        <p:spPr>
-          <a:xfrm>
-            <a:off x="381000" y="685800"/>
-            <a:ext cx="6096000" cy="3429000"/>
-          </a:xfrm>
-          <a:custGeom>
-            <a:avLst/>
-            <a:gdLst/>
-            <a:ahLst/>
-            <a:cxnLst/>
-            <a:rect l="l" t="t" r="r" b="b"/>
-            <a:pathLst>
-              <a:path w="120000" h="120000" extrusionOk="0">
-                <a:moveTo>
-                  <a:pt x="0" y="0"/>
-                </a:moveTo>
-                <a:lnTo>
-                  <a:pt x="120000" y="0"/>
-                </a:lnTo>
-                <a:lnTo>
-                  <a:pt x="120000" y="120000"/>
-                </a:lnTo>
-                <a:lnTo>
-                  <a:pt x="0" y="120000"/>
-                </a:lnTo>
-                <a:close/>
-              </a:path>
-            </a:pathLst>
-          </a:custGeom>
-        </p:spPr>
-      </p:sp>
-      <p:sp>
-        <p:nvSpPr>
-          <p:cNvPr id="119" name="Google Shape;119;g3135ddd3cba_5_469:notes"/>
-          <p:cNvSpPr txBox="1">
-            <a:spLocks noGrp="1"/>
-          </p:cNvSpPr>
-          <p:nvPr>
-            <p:ph type="body" idx="1"/>
-          </p:nvPr>
-        </p:nvSpPr>
-        <p:spPr>
-          <a:xfrm>
-            <a:off x="685800" y="4343400"/>
-            <a:ext cx="5486400" cy="4114800"/>
-          </a:xfrm>
-          <a:prstGeom prst="rect">
-            <a:avLst/>
-          </a:prstGeom>
-        </p:spPr>
-        <p:txBody>
-          <a:bodyPr spcFirstLastPara="1" wrap="square" lIns="91425" tIns="91425" rIns="91425" bIns="91425" anchor="t" anchorCtr="0">
-            <a:noAutofit/>
-          </a:bodyPr>
-          <a:lstStyle/>
-          <a:p>
-            <a:pPr marL="0" lvl="0" indent="0" algn="l" rtl="0">
-              <a:spcBef>
-                <a:spcPts val="0"/>
-              </a:spcBef>
-              <a:spcAft>
-                <a:spcPts val="0"/>
-              </a:spcAft>
-              <a:buNone/>
-            </a:pPr>
-            <a:endParaRPr/>
-          </a:p>
-        </p:txBody>
-      </p:sp>
-    </p:spTree>
-  </p:cSld>
-  <p:clrMapOvr>
-    <a:masterClrMapping/>
-  </p:clrMapOvr>
-</p:notes>
-</file>
-
-<file path=ppt/notesSlides/notesSlide11.xml><?xml version="1.0" encoding="utf-8"?>
-<p:notes xmlns:a="http://schemas.openxmlformats.org/drawingml/2006/main" xmlns:r="http://schemas.openxmlformats.org/officeDocument/2006/relationships" xmlns:p="http://schemas.openxmlformats.org/presentationml/2006/main" showMasterSp="0" showMasterPhAnim="0">
-  <p:cSld>
-    <p:spTree>
-      <p:nvGrpSpPr>
-        <p:cNvPr id="1" name="Shape 123"/>
-        <p:cNvGrpSpPr/>
-        <p:nvPr/>
-      </p:nvGrpSpPr>
-      <p:grpSpPr>
-        <a:xfrm>
-          <a:off x="0" y="0"/>
-          <a:ext cx="0" cy="0"/>
-          <a:chOff x="0" y="0"/>
-          <a:chExt cx="0" cy="0"/>
-        </a:xfrm>
-      </p:grpSpPr>
-      <p:sp>
-        <p:nvSpPr>
-          <p:cNvPr id="124" name="Google Shape;124;g3135ddd3cba_5_474:notes"/>
-          <p:cNvSpPr>
-            <a:spLocks noGrp="1" noRot="1" noChangeAspect="1"/>
-          </p:cNvSpPr>
-          <p:nvPr>
-            <p:ph type="sldImg" idx="2"/>
-          </p:nvPr>
-        </p:nvSpPr>
-        <p:spPr>
-          <a:xfrm>
-            <a:off x="1143225" y="685800"/>
-            <a:ext cx="4572300" cy="3429000"/>
-          </a:xfrm>
-          <a:custGeom>
-            <a:avLst/>
-            <a:gdLst/>
-            <a:ahLst/>
-            <a:cxnLst/>
-            <a:rect l="l" t="t" r="r" b="b"/>
-            <a:pathLst>
-              <a:path w="120000" h="120000" extrusionOk="0">
-                <a:moveTo>
-                  <a:pt x="0" y="0"/>
-                </a:moveTo>
-                <a:lnTo>
-                  <a:pt x="120000" y="0"/>
-                </a:lnTo>
-                <a:lnTo>
-                  <a:pt x="120000" y="120000"/>
-                </a:lnTo>
-                <a:lnTo>
-                  <a:pt x="0" y="120000"/>
-                </a:lnTo>
-                <a:close/>
-              </a:path>
-            </a:pathLst>
-          </a:custGeom>
-        </p:spPr>
-      </p:sp>
-      <p:sp>
-        <p:nvSpPr>
-          <p:cNvPr id="125" name="Google Shape;125;g3135ddd3cba_5_474:notes"/>
-          <p:cNvSpPr txBox="1">
-            <a:spLocks noGrp="1"/>
-          </p:cNvSpPr>
-          <p:nvPr>
-            <p:ph type="body" idx="1"/>
-          </p:nvPr>
-        </p:nvSpPr>
-        <p:spPr>
-          <a:xfrm>
-            <a:off x="685800" y="4343400"/>
-            <a:ext cx="5486400" cy="4114800"/>
-          </a:xfrm>
-          <a:prstGeom prst="rect">
-            <a:avLst/>
-          </a:prstGeom>
-        </p:spPr>
-        <p:txBody>
-          <a:bodyPr spcFirstLastPara="1" wrap="square" lIns="91425" tIns="91425" rIns="91425" bIns="91425" anchor="t" anchorCtr="0">
-            <a:noAutofit/>
-          </a:bodyPr>
-          <a:lstStyle/>
-          <a:p>
-            <a:pPr marL="0" lvl="0" indent="0" algn="l" rtl="0">
-              <a:spcBef>
-                <a:spcPts val="0"/>
-              </a:spcBef>
-              <a:spcAft>
-                <a:spcPts val="0"/>
-              </a:spcAft>
-              <a:buNone/>
-            </a:pPr>
-            <a:endParaRPr/>
-          </a:p>
-        </p:txBody>
-      </p:sp>
-    </p:spTree>
-  </p:cSld>
-  <p:clrMapOvr>
-    <a:masterClrMapping/>
-  </p:clrMapOvr>
-</p:notes>
-</file>
-
 <file path=ppt/notesSlides/notesSlide2.xml><?xml version="1.0" encoding="utf-8"?>
 <p:notes xmlns:a="http://schemas.openxmlformats.org/drawingml/2006/main" xmlns:r="http://schemas.openxmlformats.org/officeDocument/2006/relationships" xmlns:p="http://schemas.openxmlformats.org/presentationml/2006/main" showMasterSp="0" showMasterPhAnim="0">
   <p:cSld>
@@ -1191,630 +976,6 @@
       <p:sp>
         <p:nvSpPr>
           <p:cNvPr id="77" name="Google Shape;77;g3135ddd3cba_5_436:notes"/>
-          <p:cNvSpPr txBox="1">
-            <a:spLocks noGrp="1"/>
-          </p:cNvSpPr>
-          <p:nvPr>
-            <p:ph type="body" idx="1"/>
-          </p:nvPr>
-        </p:nvSpPr>
-        <p:spPr>
-          <a:xfrm>
-            <a:off x="685800" y="4343400"/>
-            <a:ext cx="5486400" cy="4114800"/>
-          </a:xfrm>
-          <a:prstGeom prst="rect">
-            <a:avLst/>
-          </a:prstGeom>
-        </p:spPr>
-        <p:txBody>
-          <a:bodyPr spcFirstLastPara="1" wrap="square" lIns="91425" tIns="91425" rIns="91425" bIns="91425" anchor="t" anchorCtr="0">
-            <a:noAutofit/>
-          </a:bodyPr>
-          <a:lstStyle/>
-          <a:p>
-            <a:pPr marL="0" lvl="0" indent="0" algn="l" rtl="0">
-              <a:spcBef>
-                <a:spcPts val="0"/>
-              </a:spcBef>
-              <a:spcAft>
-                <a:spcPts val="0"/>
-              </a:spcAft>
-              <a:buNone/>
-            </a:pPr>
-            <a:endParaRPr/>
-          </a:p>
-        </p:txBody>
-      </p:sp>
-    </p:spTree>
-  </p:cSld>
-  <p:clrMapOvr>
-    <a:masterClrMapping/>
-  </p:clrMapOvr>
-</p:notes>
-</file>
-
-<file path=ppt/notesSlides/notesSlide4.xml><?xml version="1.0" encoding="utf-8"?>
-<p:notes xmlns:a="http://schemas.openxmlformats.org/drawingml/2006/main" xmlns:r="http://schemas.openxmlformats.org/officeDocument/2006/relationships" xmlns:p="http://schemas.openxmlformats.org/presentationml/2006/main" showMasterSp="0" showMasterPhAnim="0">
-  <p:cSld>
-    <p:spTree>
-      <p:nvGrpSpPr>
-        <p:cNvPr id="1" name="Shape 81"/>
-        <p:cNvGrpSpPr/>
-        <p:nvPr/>
-      </p:nvGrpSpPr>
-      <p:grpSpPr>
-        <a:xfrm>
-          <a:off x="0" y="0"/>
-          <a:ext cx="0" cy="0"/>
-          <a:chOff x="0" y="0"/>
-          <a:chExt cx="0" cy="0"/>
-        </a:xfrm>
-      </p:grpSpPr>
-      <p:sp>
-        <p:nvSpPr>
-          <p:cNvPr id="82" name="Google Shape;82;g3135ddd3cba_5_442:notes"/>
-          <p:cNvSpPr>
-            <a:spLocks noGrp="1" noRot="1" noChangeAspect="1"/>
-          </p:cNvSpPr>
-          <p:nvPr>
-            <p:ph type="sldImg" idx="2"/>
-          </p:nvPr>
-        </p:nvSpPr>
-        <p:spPr>
-          <a:xfrm>
-            <a:off x="381000" y="685800"/>
-            <a:ext cx="6096000" cy="3429000"/>
-          </a:xfrm>
-          <a:custGeom>
-            <a:avLst/>
-            <a:gdLst/>
-            <a:ahLst/>
-            <a:cxnLst/>
-            <a:rect l="l" t="t" r="r" b="b"/>
-            <a:pathLst>
-              <a:path w="120000" h="120000" extrusionOk="0">
-                <a:moveTo>
-                  <a:pt x="0" y="0"/>
-                </a:moveTo>
-                <a:lnTo>
-                  <a:pt x="120000" y="0"/>
-                </a:lnTo>
-                <a:lnTo>
-                  <a:pt x="120000" y="120000"/>
-                </a:lnTo>
-                <a:lnTo>
-                  <a:pt x="0" y="120000"/>
-                </a:lnTo>
-                <a:close/>
-              </a:path>
-            </a:pathLst>
-          </a:custGeom>
-        </p:spPr>
-      </p:sp>
-      <p:sp>
-        <p:nvSpPr>
-          <p:cNvPr id="83" name="Google Shape;83;g3135ddd3cba_5_442:notes"/>
-          <p:cNvSpPr txBox="1">
-            <a:spLocks noGrp="1"/>
-          </p:cNvSpPr>
-          <p:nvPr>
-            <p:ph type="body" idx="1"/>
-          </p:nvPr>
-        </p:nvSpPr>
-        <p:spPr>
-          <a:xfrm>
-            <a:off x="685800" y="4343400"/>
-            <a:ext cx="5486400" cy="4114800"/>
-          </a:xfrm>
-          <a:prstGeom prst="rect">
-            <a:avLst/>
-          </a:prstGeom>
-        </p:spPr>
-        <p:txBody>
-          <a:bodyPr spcFirstLastPara="1" wrap="square" lIns="91425" tIns="91425" rIns="91425" bIns="91425" anchor="t" anchorCtr="0">
-            <a:noAutofit/>
-          </a:bodyPr>
-          <a:lstStyle/>
-          <a:p>
-            <a:pPr marL="0" lvl="0" indent="0" algn="l" rtl="0">
-              <a:spcBef>
-                <a:spcPts val="0"/>
-              </a:spcBef>
-              <a:spcAft>
-                <a:spcPts val="0"/>
-              </a:spcAft>
-              <a:buNone/>
-            </a:pPr>
-            <a:endParaRPr/>
-          </a:p>
-        </p:txBody>
-      </p:sp>
-    </p:spTree>
-  </p:cSld>
-  <p:clrMapOvr>
-    <a:masterClrMapping/>
-  </p:clrMapOvr>
-</p:notes>
-</file>
-
-<file path=ppt/notesSlides/notesSlide5.xml><?xml version="1.0" encoding="utf-8"?>
-<p:notes xmlns:a="http://schemas.openxmlformats.org/drawingml/2006/main" xmlns:r="http://schemas.openxmlformats.org/officeDocument/2006/relationships" xmlns:p="http://schemas.openxmlformats.org/presentationml/2006/main" showMasterSp="0" showMasterPhAnim="0">
-  <p:cSld>
-    <p:spTree>
-      <p:nvGrpSpPr>
-        <p:cNvPr id="1" name="Shape 87"/>
-        <p:cNvGrpSpPr/>
-        <p:nvPr/>
-      </p:nvGrpSpPr>
-      <p:grpSpPr>
-        <a:xfrm>
-          <a:off x="0" y="0"/>
-          <a:ext cx="0" cy="0"/>
-          <a:chOff x="0" y="0"/>
-          <a:chExt cx="0" cy="0"/>
-        </a:xfrm>
-      </p:grpSpPr>
-      <p:sp>
-        <p:nvSpPr>
-          <p:cNvPr id="88" name="Google Shape;88;g3135ddd3cba_5_447:notes"/>
-          <p:cNvSpPr>
-            <a:spLocks noGrp="1" noRot="1" noChangeAspect="1"/>
-          </p:cNvSpPr>
-          <p:nvPr>
-            <p:ph type="sldImg" idx="2"/>
-          </p:nvPr>
-        </p:nvSpPr>
-        <p:spPr>
-          <a:xfrm>
-            <a:off x="381000" y="685800"/>
-            <a:ext cx="6096000" cy="3429000"/>
-          </a:xfrm>
-          <a:custGeom>
-            <a:avLst/>
-            <a:gdLst/>
-            <a:ahLst/>
-            <a:cxnLst/>
-            <a:rect l="l" t="t" r="r" b="b"/>
-            <a:pathLst>
-              <a:path w="120000" h="120000" extrusionOk="0">
-                <a:moveTo>
-                  <a:pt x="0" y="0"/>
-                </a:moveTo>
-                <a:lnTo>
-                  <a:pt x="120000" y="0"/>
-                </a:lnTo>
-                <a:lnTo>
-                  <a:pt x="120000" y="120000"/>
-                </a:lnTo>
-                <a:lnTo>
-                  <a:pt x="0" y="120000"/>
-                </a:lnTo>
-                <a:close/>
-              </a:path>
-            </a:pathLst>
-          </a:custGeom>
-        </p:spPr>
-      </p:sp>
-      <p:sp>
-        <p:nvSpPr>
-          <p:cNvPr id="89" name="Google Shape;89;g3135ddd3cba_5_447:notes"/>
-          <p:cNvSpPr txBox="1">
-            <a:spLocks noGrp="1"/>
-          </p:cNvSpPr>
-          <p:nvPr>
-            <p:ph type="body" idx="1"/>
-          </p:nvPr>
-        </p:nvSpPr>
-        <p:spPr>
-          <a:xfrm>
-            <a:off x="685800" y="4343400"/>
-            <a:ext cx="5486400" cy="4114800"/>
-          </a:xfrm>
-          <a:prstGeom prst="rect">
-            <a:avLst/>
-          </a:prstGeom>
-        </p:spPr>
-        <p:txBody>
-          <a:bodyPr spcFirstLastPara="1" wrap="square" lIns="91425" tIns="91425" rIns="91425" bIns="91425" anchor="t" anchorCtr="0">
-            <a:noAutofit/>
-          </a:bodyPr>
-          <a:lstStyle/>
-          <a:p>
-            <a:pPr marL="0" lvl="0" indent="0" algn="l" rtl="0">
-              <a:spcBef>
-                <a:spcPts val="0"/>
-              </a:spcBef>
-              <a:spcAft>
-                <a:spcPts val="0"/>
-              </a:spcAft>
-              <a:buNone/>
-            </a:pPr>
-            <a:endParaRPr/>
-          </a:p>
-        </p:txBody>
-      </p:sp>
-    </p:spTree>
-  </p:cSld>
-  <p:clrMapOvr>
-    <a:masterClrMapping/>
-  </p:clrMapOvr>
-</p:notes>
-</file>
-
-<file path=ppt/notesSlides/notesSlide6.xml><?xml version="1.0" encoding="utf-8"?>
-<p:notes xmlns:a="http://schemas.openxmlformats.org/drawingml/2006/main" xmlns:r="http://schemas.openxmlformats.org/officeDocument/2006/relationships" xmlns:p="http://schemas.openxmlformats.org/presentationml/2006/main" showMasterSp="0" showMasterPhAnim="0">
-  <p:cSld>
-    <p:spTree>
-      <p:nvGrpSpPr>
-        <p:cNvPr id="1" name="Shape 93"/>
-        <p:cNvGrpSpPr/>
-        <p:nvPr/>
-      </p:nvGrpSpPr>
-      <p:grpSpPr>
-        <a:xfrm>
-          <a:off x="0" y="0"/>
-          <a:ext cx="0" cy="0"/>
-          <a:chOff x="0" y="0"/>
-          <a:chExt cx="0" cy="0"/>
-        </a:xfrm>
-      </p:grpSpPr>
-      <p:sp>
-        <p:nvSpPr>
-          <p:cNvPr id="94" name="Google Shape;94;g313647910a1_1_3:notes"/>
-          <p:cNvSpPr>
-            <a:spLocks noGrp="1" noRot="1" noChangeAspect="1"/>
-          </p:cNvSpPr>
-          <p:nvPr>
-            <p:ph type="sldImg" idx="2"/>
-          </p:nvPr>
-        </p:nvSpPr>
-        <p:spPr>
-          <a:xfrm>
-            <a:off x="381000" y="685800"/>
-            <a:ext cx="6096000" cy="3429000"/>
-          </a:xfrm>
-          <a:custGeom>
-            <a:avLst/>
-            <a:gdLst/>
-            <a:ahLst/>
-            <a:cxnLst/>
-            <a:rect l="l" t="t" r="r" b="b"/>
-            <a:pathLst>
-              <a:path w="120000" h="120000" extrusionOk="0">
-                <a:moveTo>
-                  <a:pt x="0" y="0"/>
-                </a:moveTo>
-                <a:lnTo>
-                  <a:pt x="120000" y="0"/>
-                </a:lnTo>
-                <a:lnTo>
-                  <a:pt x="120000" y="120000"/>
-                </a:lnTo>
-                <a:lnTo>
-                  <a:pt x="0" y="120000"/>
-                </a:lnTo>
-                <a:close/>
-              </a:path>
-            </a:pathLst>
-          </a:custGeom>
-        </p:spPr>
-      </p:sp>
-      <p:sp>
-        <p:nvSpPr>
-          <p:cNvPr id="95" name="Google Shape;95;g313647910a1_1_3:notes"/>
-          <p:cNvSpPr txBox="1">
-            <a:spLocks noGrp="1"/>
-          </p:cNvSpPr>
-          <p:nvPr>
-            <p:ph type="body" idx="1"/>
-          </p:nvPr>
-        </p:nvSpPr>
-        <p:spPr>
-          <a:xfrm>
-            <a:off x="685800" y="4343400"/>
-            <a:ext cx="5486400" cy="4114800"/>
-          </a:xfrm>
-          <a:prstGeom prst="rect">
-            <a:avLst/>
-          </a:prstGeom>
-        </p:spPr>
-        <p:txBody>
-          <a:bodyPr spcFirstLastPara="1" wrap="square" lIns="91425" tIns="91425" rIns="91425" bIns="91425" anchor="t" anchorCtr="0">
-            <a:noAutofit/>
-          </a:bodyPr>
-          <a:lstStyle/>
-          <a:p>
-            <a:pPr marL="0" lvl="0" indent="0" algn="l" rtl="0">
-              <a:spcBef>
-                <a:spcPts val="0"/>
-              </a:spcBef>
-              <a:spcAft>
-                <a:spcPts val="0"/>
-              </a:spcAft>
-              <a:buNone/>
-            </a:pPr>
-            <a:endParaRPr/>
-          </a:p>
-        </p:txBody>
-      </p:sp>
-    </p:spTree>
-  </p:cSld>
-  <p:clrMapOvr>
-    <a:masterClrMapping/>
-  </p:clrMapOvr>
-</p:notes>
-</file>
-
-<file path=ppt/notesSlides/notesSlide7.xml><?xml version="1.0" encoding="utf-8"?>
-<p:notes xmlns:a="http://schemas.openxmlformats.org/drawingml/2006/main" xmlns:r="http://schemas.openxmlformats.org/officeDocument/2006/relationships" xmlns:p="http://schemas.openxmlformats.org/presentationml/2006/main" showMasterSp="0" showMasterPhAnim="0">
-  <p:cSld>
-    <p:spTree>
-      <p:nvGrpSpPr>
-        <p:cNvPr id="1" name="Shape 99"/>
-        <p:cNvGrpSpPr/>
-        <p:nvPr/>
-      </p:nvGrpSpPr>
-      <p:grpSpPr>
-        <a:xfrm>
-          <a:off x="0" y="0"/>
-          <a:ext cx="0" cy="0"/>
-          <a:chOff x="0" y="0"/>
-          <a:chExt cx="0" cy="0"/>
-        </a:xfrm>
-      </p:grpSpPr>
-      <p:sp>
-        <p:nvSpPr>
-          <p:cNvPr id="100" name="Google Shape;100;g3135ddd3cba_5_453:notes"/>
-          <p:cNvSpPr>
-            <a:spLocks noGrp="1" noRot="1" noChangeAspect="1"/>
-          </p:cNvSpPr>
-          <p:nvPr>
-            <p:ph type="sldImg" idx="2"/>
-          </p:nvPr>
-        </p:nvSpPr>
-        <p:spPr>
-          <a:xfrm>
-            <a:off x="1143225" y="685800"/>
-            <a:ext cx="4572300" cy="3429000"/>
-          </a:xfrm>
-          <a:custGeom>
-            <a:avLst/>
-            <a:gdLst/>
-            <a:ahLst/>
-            <a:cxnLst/>
-            <a:rect l="l" t="t" r="r" b="b"/>
-            <a:pathLst>
-              <a:path w="120000" h="120000" extrusionOk="0">
-                <a:moveTo>
-                  <a:pt x="0" y="0"/>
-                </a:moveTo>
-                <a:lnTo>
-                  <a:pt x="120000" y="0"/>
-                </a:lnTo>
-                <a:lnTo>
-                  <a:pt x="120000" y="120000"/>
-                </a:lnTo>
-                <a:lnTo>
-                  <a:pt x="0" y="120000"/>
-                </a:lnTo>
-                <a:close/>
-              </a:path>
-            </a:pathLst>
-          </a:custGeom>
-        </p:spPr>
-      </p:sp>
-      <p:sp>
-        <p:nvSpPr>
-          <p:cNvPr id="101" name="Google Shape;101;g3135ddd3cba_5_453:notes"/>
-          <p:cNvSpPr txBox="1">
-            <a:spLocks noGrp="1"/>
-          </p:cNvSpPr>
-          <p:nvPr>
-            <p:ph type="body" idx="1"/>
-          </p:nvPr>
-        </p:nvSpPr>
-        <p:spPr>
-          <a:xfrm>
-            <a:off x="685800" y="4343400"/>
-            <a:ext cx="5486400" cy="4114800"/>
-          </a:xfrm>
-          <a:prstGeom prst="rect">
-            <a:avLst/>
-          </a:prstGeom>
-        </p:spPr>
-        <p:txBody>
-          <a:bodyPr spcFirstLastPara="1" wrap="square" lIns="91425" tIns="91425" rIns="91425" bIns="91425" anchor="t" anchorCtr="0">
-            <a:noAutofit/>
-          </a:bodyPr>
-          <a:lstStyle/>
-          <a:p>
-            <a:pPr marL="0" lvl="0" indent="0" algn="l" rtl="0">
-              <a:spcBef>
-                <a:spcPts val="0"/>
-              </a:spcBef>
-              <a:spcAft>
-                <a:spcPts val="0"/>
-              </a:spcAft>
-              <a:buNone/>
-            </a:pPr>
-            <a:endParaRPr/>
-          </a:p>
-        </p:txBody>
-      </p:sp>
-    </p:spTree>
-  </p:cSld>
-  <p:clrMapOvr>
-    <a:masterClrMapping/>
-  </p:clrMapOvr>
-</p:notes>
-</file>
-
-<file path=ppt/notesSlides/notesSlide8.xml><?xml version="1.0" encoding="utf-8"?>
-<p:notes xmlns:a="http://schemas.openxmlformats.org/drawingml/2006/main" xmlns:r="http://schemas.openxmlformats.org/officeDocument/2006/relationships" xmlns:p="http://schemas.openxmlformats.org/presentationml/2006/main" showMasterSp="0" showMasterPhAnim="0">
-  <p:cSld>
-    <p:spTree>
-      <p:nvGrpSpPr>
-        <p:cNvPr id="1" name="Shape 105"/>
-        <p:cNvGrpSpPr/>
-        <p:nvPr/>
-      </p:nvGrpSpPr>
-      <p:grpSpPr>
-        <a:xfrm>
-          <a:off x="0" y="0"/>
-          <a:ext cx="0" cy="0"/>
-          <a:chOff x="0" y="0"/>
-          <a:chExt cx="0" cy="0"/>
-        </a:xfrm>
-      </p:grpSpPr>
-      <p:sp>
-        <p:nvSpPr>
-          <p:cNvPr id="106" name="Google Shape;106;g3135ddd3cba_5_458:notes"/>
-          <p:cNvSpPr>
-            <a:spLocks noGrp="1" noRot="1" noChangeAspect="1"/>
-          </p:cNvSpPr>
-          <p:nvPr>
-            <p:ph type="sldImg" idx="2"/>
-          </p:nvPr>
-        </p:nvSpPr>
-        <p:spPr>
-          <a:xfrm>
-            <a:off x="381000" y="685800"/>
-            <a:ext cx="6096000" cy="3429000"/>
-          </a:xfrm>
-          <a:custGeom>
-            <a:avLst/>
-            <a:gdLst/>
-            <a:ahLst/>
-            <a:cxnLst/>
-            <a:rect l="l" t="t" r="r" b="b"/>
-            <a:pathLst>
-              <a:path w="120000" h="120000" extrusionOk="0">
-                <a:moveTo>
-                  <a:pt x="0" y="0"/>
-                </a:moveTo>
-                <a:lnTo>
-                  <a:pt x="120000" y="0"/>
-                </a:lnTo>
-                <a:lnTo>
-                  <a:pt x="120000" y="120000"/>
-                </a:lnTo>
-                <a:lnTo>
-                  <a:pt x="0" y="120000"/>
-                </a:lnTo>
-                <a:close/>
-              </a:path>
-            </a:pathLst>
-          </a:custGeom>
-        </p:spPr>
-      </p:sp>
-      <p:sp>
-        <p:nvSpPr>
-          <p:cNvPr id="107" name="Google Shape;107;g3135ddd3cba_5_458:notes"/>
-          <p:cNvSpPr txBox="1">
-            <a:spLocks noGrp="1"/>
-          </p:cNvSpPr>
-          <p:nvPr>
-            <p:ph type="body" idx="1"/>
-          </p:nvPr>
-        </p:nvSpPr>
-        <p:spPr>
-          <a:xfrm>
-            <a:off x="685800" y="4343400"/>
-            <a:ext cx="5486400" cy="4114800"/>
-          </a:xfrm>
-          <a:prstGeom prst="rect">
-            <a:avLst/>
-          </a:prstGeom>
-        </p:spPr>
-        <p:txBody>
-          <a:bodyPr spcFirstLastPara="1" wrap="square" lIns="91425" tIns="91425" rIns="91425" bIns="91425" anchor="t" anchorCtr="0">
-            <a:noAutofit/>
-          </a:bodyPr>
-          <a:lstStyle/>
-          <a:p>
-            <a:pPr marL="0" lvl="0" indent="0" algn="l" rtl="0">
-              <a:spcBef>
-                <a:spcPts val="0"/>
-              </a:spcBef>
-              <a:spcAft>
-                <a:spcPts val="0"/>
-              </a:spcAft>
-              <a:buNone/>
-            </a:pPr>
-            <a:endParaRPr/>
-          </a:p>
-        </p:txBody>
-      </p:sp>
-    </p:spTree>
-  </p:cSld>
-  <p:clrMapOvr>
-    <a:masterClrMapping/>
-  </p:clrMapOvr>
-</p:notes>
-</file>
-
-<file path=ppt/notesSlides/notesSlide9.xml><?xml version="1.0" encoding="utf-8"?>
-<p:notes xmlns:a="http://schemas.openxmlformats.org/drawingml/2006/main" xmlns:r="http://schemas.openxmlformats.org/officeDocument/2006/relationships" xmlns:p="http://schemas.openxmlformats.org/presentationml/2006/main" showMasterSp="0" showMasterPhAnim="0">
-  <p:cSld>
-    <p:spTree>
-      <p:nvGrpSpPr>
-        <p:cNvPr id="1" name="Shape 111"/>
-        <p:cNvGrpSpPr/>
-        <p:nvPr/>
-      </p:nvGrpSpPr>
-      <p:grpSpPr>
-        <a:xfrm>
-          <a:off x="0" y="0"/>
-          <a:ext cx="0" cy="0"/>
-          <a:chOff x="0" y="0"/>
-          <a:chExt cx="0" cy="0"/>
-        </a:xfrm>
-      </p:grpSpPr>
-      <p:sp>
-        <p:nvSpPr>
-          <p:cNvPr id="112" name="Google Shape;112;g3135ddd3cba_5_464:notes"/>
-          <p:cNvSpPr>
-            <a:spLocks noGrp="1" noRot="1" noChangeAspect="1"/>
-          </p:cNvSpPr>
-          <p:nvPr>
-            <p:ph type="sldImg" idx="2"/>
-          </p:nvPr>
-        </p:nvSpPr>
-        <p:spPr>
-          <a:xfrm>
-            <a:off x="381000" y="685800"/>
-            <a:ext cx="6096000" cy="3429000"/>
-          </a:xfrm>
-          <a:custGeom>
-            <a:avLst/>
-            <a:gdLst/>
-            <a:ahLst/>
-            <a:cxnLst/>
-            <a:rect l="l" t="t" r="r" b="b"/>
-            <a:pathLst>
-              <a:path w="120000" h="120000" extrusionOk="0">
-                <a:moveTo>
-                  <a:pt x="0" y="0"/>
-                </a:moveTo>
-                <a:lnTo>
-                  <a:pt x="120000" y="0"/>
-                </a:lnTo>
-                <a:lnTo>
-                  <a:pt x="120000" y="120000"/>
-                </a:lnTo>
-                <a:lnTo>
-                  <a:pt x="0" y="120000"/>
-                </a:lnTo>
-                <a:close/>
-              </a:path>
-            </a:pathLst>
-          </a:custGeom>
-        </p:spPr>
-      </p:sp>
-      <p:sp>
-        <p:nvSpPr>
-          <p:cNvPr id="113" name="Google Shape;113;g3135ddd3cba_5_464:notes"/>
           <p:cNvSpPr txBox="1">
             <a:spLocks noGrp="1"/>
           </p:cNvSpPr>
@@ -7715,418 +6876,6 @@
 </p:sld>
 </file>
 
-<file path=ppt/slides/slide10.xml><?xml version="1.0" encoding="utf-8"?>
-<p:sld xmlns:a="http://schemas.openxmlformats.org/drawingml/2006/main" xmlns:r="http://schemas.openxmlformats.org/officeDocument/2006/relationships" xmlns:p="http://schemas.openxmlformats.org/presentationml/2006/main">
-  <p:cSld>
-    <p:spTree>
-      <p:nvGrpSpPr>
-        <p:cNvPr id="1" name="Shape 120"/>
-        <p:cNvGrpSpPr/>
-        <p:nvPr/>
-      </p:nvGrpSpPr>
-      <p:grpSpPr>
-        <a:xfrm>
-          <a:off x="0" y="0"/>
-          <a:ext cx="0" cy="0"/>
-          <a:chOff x="0" y="0"/>
-          <a:chExt cx="0" cy="0"/>
-        </a:xfrm>
-      </p:grpSpPr>
-      <p:sp>
-        <p:nvSpPr>
-          <p:cNvPr id="121" name="Google Shape;121;p22"/>
-          <p:cNvSpPr txBox="1">
-            <a:spLocks noGrp="1"/>
-          </p:cNvSpPr>
-          <p:nvPr>
-            <p:ph type="title"/>
-          </p:nvPr>
-        </p:nvSpPr>
-        <p:spPr>
-          <a:xfrm>
-            <a:off x="415600" y="593367"/>
-            <a:ext cx="11360700" cy="943200"/>
-          </a:xfrm>
-          <a:prstGeom prst="rect">
-            <a:avLst/>
-          </a:prstGeom>
-        </p:spPr>
-        <p:txBody>
-          <a:bodyPr spcFirstLastPara="1" wrap="square" lIns="121900" tIns="121900" rIns="121900" bIns="121900" anchor="t" anchorCtr="0">
-            <a:normAutofit fontScale="90000"/>
-          </a:bodyPr>
-          <a:lstStyle/>
-          <a:p>
-            <a:pPr marL="0" lvl="0" indent="0" algn="l" rtl="0">
-              <a:spcBef>
-                <a:spcPts val="0"/>
-              </a:spcBef>
-              <a:spcAft>
-                <a:spcPts val="0"/>
-              </a:spcAft>
-              <a:buNone/>
-            </a:pPr>
-            <a:r>
-              <a:rPr lang="en-US"/>
-              <a:t>Future Direction</a:t>
-            </a:r>
-            <a:endParaRPr/>
-          </a:p>
-        </p:txBody>
-      </p:sp>
-      <p:sp>
-        <p:nvSpPr>
-          <p:cNvPr id="122" name="Google Shape;122;p22"/>
-          <p:cNvSpPr txBox="1">
-            <a:spLocks noGrp="1"/>
-          </p:cNvSpPr>
-          <p:nvPr>
-            <p:ph type="body" idx="1"/>
-          </p:nvPr>
-        </p:nvSpPr>
-        <p:spPr>
-          <a:xfrm>
-            <a:off x="415600" y="1688433"/>
-            <a:ext cx="11360700" cy="4403700"/>
-          </a:xfrm>
-          <a:prstGeom prst="rect">
-            <a:avLst/>
-          </a:prstGeom>
-        </p:spPr>
-        <p:txBody>
-          <a:bodyPr spcFirstLastPara="1" wrap="square" lIns="121900" tIns="121900" rIns="121900" bIns="121900" anchor="t" anchorCtr="0">
-            <a:normAutofit/>
-          </a:bodyPr>
-          <a:lstStyle/>
-          <a:p>
-            <a:pPr marL="457200" lvl="0" indent="-381000" algn="l" rtl="0">
-              <a:spcBef>
-                <a:spcPts val="0"/>
-              </a:spcBef>
-              <a:spcAft>
-                <a:spcPts val="0"/>
-              </a:spcAft>
-              <a:buSzPts val="2400"/>
-              <a:buChar char="●"/>
-            </a:pPr>
-            <a:r>
-              <a:rPr lang="en-US" dirty="0"/>
-              <a:t>Develop and Improve UI.</a:t>
-            </a:r>
-            <a:endParaRPr dirty="0"/>
-          </a:p>
-          <a:p>
-            <a:pPr marL="457200" lvl="0" indent="-381000" algn="l" rtl="0">
-              <a:spcBef>
-                <a:spcPts val="0"/>
-              </a:spcBef>
-              <a:spcAft>
-                <a:spcPts val="0"/>
-              </a:spcAft>
-              <a:buSzPts val="2400"/>
-              <a:buChar char="●"/>
-            </a:pPr>
-            <a:r>
-              <a:rPr lang="en-US" dirty="0"/>
-              <a:t>Try to improve the performance using batch processing.</a:t>
-            </a:r>
-            <a:endParaRPr dirty="0"/>
-          </a:p>
-          <a:p>
-            <a:pPr marL="457200" lvl="0" indent="-381000" algn="l" rtl="0">
-              <a:spcBef>
-                <a:spcPts val="0"/>
-              </a:spcBef>
-              <a:spcAft>
-                <a:spcPts val="0"/>
-              </a:spcAft>
-              <a:buSzPts val="2400"/>
-              <a:buChar char="●"/>
-            </a:pPr>
-            <a:r>
-              <a:rPr lang="en-US" dirty="0"/>
-              <a:t>Continue experimenting with different prompts.</a:t>
-            </a:r>
-            <a:endParaRPr dirty="0"/>
-          </a:p>
-          <a:p>
-            <a:pPr marL="457200" lvl="0" indent="-381000" algn="l" rtl="0">
-              <a:spcBef>
-                <a:spcPts val="0"/>
-              </a:spcBef>
-              <a:spcAft>
-                <a:spcPts val="0"/>
-              </a:spcAft>
-              <a:buSzPts val="2400"/>
-              <a:buChar char="●"/>
-            </a:pPr>
-            <a:r>
-              <a:rPr lang="en-US" dirty="0"/>
-              <a:t>Try to run advanced models for better results</a:t>
-            </a:r>
-            <a:endParaRPr dirty="0"/>
-          </a:p>
-        </p:txBody>
-      </p:sp>
-    </p:spTree>
-  </p:cSld>
-  <p:clrMapOvr>
-    <a:masterClrMapping/>
-  </p:clrMapOvr>
-</p:sld>
-</file>
-
-<file path=ppt/slides/slide11.xml><?xml version="1.0" encoding="utf-8"?>
-<p:sld xmlns:a="http://schemas.openxmlformats.org/drawingml/2006/main" xmlns:r="http://schemas.openxmlformats.org/officeDocument/2006/relationships" xmlns:p="http://schemas.openxmlformats.org/presentationml/2006/main">
-  <p:cSld>
-    <p:spTree>
-      <p:nvGrpSpPr>
-        <p:cNvPr id="1" name="Shape 126"/>
-        <p:cNvGrpSpPr/>
-        <p:nvPr/>
-      </p:nvGrpSpPr>
-      <p:grpSpPr>
-        <a:xfrm>
-          <a:off x="0" y="0"/>
-          <a:ext cx="0" cy="0"/>
-          <a:chOff x="0" y="0"/>
-          <a:chExt cx="0" cy="0"/>
-        </a:xfrm>
-      </p:grpSpPr>
-      <p:sp>
-        <p:nvSpPr>
-          <p:cNvPr id="127" name="Google Shape;127;p23"/>
-          <p:cNvSpPr txBox="1">
-            <a:spLocks noGrp="1"/>
-          </p:cNvSpPr>
-          <p:nvPr>
-            <p:ph type="title"/>
-          </p:nvPr>
-        </p:nvSpPr>
-        <p:spPr>
-          <a:xfrm>
-            <a:off x="415600" y="593367"/>
-            <a:ext cx="11360700" cy="943200"/>
-          </a:xfrm>
-          <a:prstGeom prst="rect">
-            <a:avLst/>
-          </a:prstGeom>
-        </p:spPr>
-        <p:txBody>
-          <a:bodyPr spcFirstLastPara="1" wrap="square" lIns="121900" tIns="121900" rIns="121900" bIns="121900" anchor="t" anchorCtr="0">
-            <a:normAutofit fontScale="90000"/>
-          </a:bodyPr>
-          <a:lstStyle/>
-          <a:p>
-            <a:pPr marL="0" lvl="0" indent="0" algn="l" rtl="0">
-              <a:spcBef>
-                <a:spcPts val="0"/>
-              </a:spcBef>
-              <a:spcAft>
-                <a:spcPts val="0"/>
-              </a:spcAft>
-              <a:buNone/>
-            </a:pPr>
-            <a:r>
-              <a:rPr lang="en-US"/>
-              <a:t>References</a:t>
-            </a:r>
-            <a:endParaRPr/>
-          </a:p>
-        </p:txBody>
-      </p:sp>
-      <p:sp>
-        <p:nvSpPr>
-          <p:cNvPr id="128" name="Google Shape;128;p23"/>
-          <p:cNvSpPr txBox="1">
-            <a:spLocks noGrp="1"/>
-          </p:cNvSpPr>
-          <p:nvPr>
-            <p:ph type="body" idx="1"/>
-          </p:nvPr>
-        </p:nvSpPr>
-        <p:spPr>
-          <a:xfrm>
-            <a:off x="415600" y="1688433"/>
-            <a:ext cx="11360700" cy="4403700"/>
-          </a:xfrm>
-          <a:prstGeom prst="rect">
-            <a:avLst/>
-          </a:prstGeom>
-        </p:spPr>
-        <p:txBody>
-          <a:bodyPr spcFirstLastPara="1" wrap="square" lIns="121900" tIns="121900" rIns="121900" bIns="121900" anchor="t" anchorCtr="0">
-            <a:noAutofit/>
-          </a:bodyPr>
-          <a:lstStyle/>
-          <a:p>
-            <a:pPr marL="457200" lvl="0" indent="-330200" algn="l" rtl="0">
-              <a:spcBef>
-                <a:spcPts val="0"/>
-              </a:spcBef>
-              <a:spcAft>
-                <a:spcPts val="0"/>
-              </a:spcAft>
-              <a:buSzPts val="1600"/>
-              <a:buAutoNum type="arabicPeriod"/>
-            </a:pPr>
-            <a:r>
-              <a:rPr lang="en-US" sz="1600" u="sng">
-                <a:solidFill>
-                  <a:schemeClr val="hlink"/>
-                </a:solidFill>
-                <a:hlinkClick r:id="rId3"/>
-              </a:rPr>
-              <a:t>https://github.com/HKUDS/LightRAG/tree/main</a:t>
-            </a:r>
-            <a:endParaRPr sz="1600"/>
-          </a:p>
-          <a:p>
-            <a:pPr marL="457200" lvl="0" indent="-330200" algn="l" rtl="0">
-              <a:spcBef>
-                <a:spcPts val="0"/>
-              </a:spcBef>
-              <a:spcAft>
-                <a:spcPts val="0"/>
-              </a:spcAft>
-              <a:buSzPts val="1600"/>
-              <a:buAutoNum type="arabicPeriod"/>
-            </a:pPr>
-            <a:r>
-              <a:rPr lang="en-US" sz="1600"/>
-              <a:t> GitHub - Chainlit/chainlit: Build Python LLM apps in minutes </a:t>
-            </a:r>
-            <a:endParaRPr sz="1600"/>
-          </a:p>
-          <a:p>
-            <a:pPr marL="457200" lvl="0" indent="-330200" algn="l" rtl="0">
-              <a:spcBef>
-                <a:spcPts val="0"/>
-              </a:spcBef>
-              <a:spcAft>
-                <a:spcPts val="0"/>
-              </a:spcAft>
-              <a:buSzPts val="1600"/>
-              <a:buAutoNum type="arabicPeriod"/>
-            </a:pPr>
-            <a:r>
-              <a:rPr lang="en-US" sz="1600"/>
-              <a:t> GitHub - Prographers/Slack-GPT: A Slack Bot implementation for integration with OpenAI ChatGPT. Supports GPT4 by default! </a:t>
-            </a:r>
-            <a:endParaRPr sz="1600"/>
-          </a:p>
-          <a:p>
-            <a:pPr marL="457200" lvl="0" indent="-330200" algn="l" rtl="0">
-              <a:spcBef>
-                <a:spcPts val="0"/>
-              </a:spcBef>
-              <a:spcAft>
-                <a:spcPts val="0"/>
-              </a:spcAft>
-              <a:buSzPts val="1600"/>
-              <a:buAutoNum type="arabicPeriod"/>
-            </a:pPr>
-            <a:r>
-              <a:rPr lang="en-US" sz="1600"/>
-              <a:t>GitHub - VolkanSah/GPT-API-Integration-in-HTML-CSS-with-JS-PHP: A basic GPT conversation script designed to help you learn to interact with OpenAI's GPT technology. Includes best practices and a free security whitepaper.</a:t>
-            </a:r>
-            <a:endParaRPr sz="1600"/>
-          </a:p>
-          <a:p>
-            <a:pPr marL="457200" lvl="0" indent="-330200" algn="l" rtl="0">
-              <a:spcBef>
-                <a:spcPts val="0"/>
-              </a:spcBef>
-              <a:spcAft>
-                <a:spcPts val="0"/>
-              </a:spcAft>
-              <a:buSzPts val="1600"/>
-              <a:buAutoNum type="arabicPeriod"/>
-            </a:pPr>
-            <a:r>
-              <a:rPr lang="en-US" sz="1600"/>
-              <a:t>GitHub - https://github.com/facebookresearch/faiss - A library for efficient similarity search and clustering of dense vectors.</a:t>
-            </a:r>
-            <a:endParaRPr sz="1600"/>
-          </a:p>
-          <a:p>
-            <a:pPr marL="457200" lvl="0" indent="-330200" algn="l" rtl="0">
-              <a:spcBef>
-                <a:spcPts val="0"/>
-              </a:spcBef>
-              <a:spcAft>
-                <a:spcPts val="0"/>
-              </a:spcAft>
-              <a:buSzPts val="1600"/>
-              <a:buAutoNum type="arabicPeriod"/>
-            </a:pPr>
-            <a:r>
-              <a:rPr lang="en-US" sz="1600"/>
-              <a:t>GitHub: https://github.com/pymupdf/PyMuPDF - PyMuPDF is a high performance Python library for data extraction, analysis, conversion &amp; manipulation of PDF (and other) documents.</a:t>
-            </a:r>
-            <a:endParaRPr sz="1600"/>
-          </a:p>
-          <a:p>
-            <a:pPr marL="457200" lvl="0" indent="-330200" algn="l" rtl="0">
-              <a:spcBef>
-                <a:spcPts val="0"/>
-              </a:spcBef>
-              <a:spcAft>
-                <a:spcPts val="0"/>
-              </a:spcAft>
-              <a:buSzPts val="1600"/>
-              <a:buAutoNum type="arabicPeriod"/>
-            </a:pPr>
-            <a:r>
-              <a:rPr lang="en-US" sz="1600"/>
-              <a:t>GitHub:https://github.com/google-research/bert - TensorFlow code and pre-trained models for BERT</a:t>
-            </a:r>
-            <a:endParaRPr sz="1600"/>
-          </a:p>
-          <a:p>
-            <a:pPr marL="457200" lvl="0" indent="-330200" algn="l" rtl="0">
-              <a:spcBef>
-                <a:spcPts val="0"/>
-              </a:spcBef>
-              <a:spcAft>
-                <a:spcPts val="0"/>
-              </a:spcAft>
-              <a:buSzPts val="1600"/>
-              <a:buAutoNum type="arabicPeriod"/>
-            </a:pPr>
-            <a:r>
-              <a:rPr lang="en-US" sz="1600"/>
-              <a:t>GitHub: https://github.com/numpy/numpy - The fundamental package for scientific computing with Python.</a:t>
-            </a:r>
-            <a:endParaRPr sz="1600"/>
-          </a:p>
-          <a:p>
-            <a:pPr marL="457200" lvl="0" indent="-330200" algn="l" rtl="0">
-              <a:spcBef>
-                <a:spcPts val="0"/>
-              </a:spcBef>
-              <a:spcAft>
-                <a:spcPts val="0"/>
-              </a:spcAft>
-              <a:buSzPts val="1600"/>
-              <a:buAutoNum type="arabicPeriod"/>
-            </a:pPr>
-            <a:r>
-              <a:rPr lang="en-US" sz="1600"/>
-              <a:t>GitHub:https://github.com/langchain-ai/langchain - Building applications with LLMs through composability</a:t>
-            </a:r>
-            <a:endParaRPr sz="1600"/>
-          </a:p>
-        </p:txBody>
-      </p:sp>
-    </p:spTree>
-  </p:cSld>
-  <p:clrMapOvr>
-    <a:masterClrMapping/>
-  </p:clrMapOvr>
-</p:sld>
-</file>
-
 <file path=ppt/slides/slide2.xml><?xml version="1.0" encoding="utf-8"?>
 <p:sld xmlns:a="http://schemas.openxmlformats.org/drawingml/2006/main" xmlns:r="http://schemas.openxmlformats.org/officeDocument/2006/relationships" xmlns:p="http://schemas.openxmlformats.org/presentationml/2006/main">
   <p:cSld>
@@ -8316,10 +7065,10 @@
               <a:buNone/>
             </a:pPr>
             <a:r>
-              <a:rPr lang="en-US"/>
-              <a:t>Proposed Solution</a:t>
+              <a:rPr lang="en-US" dirty="0"/>
+              <a:t>Proposed Solution: Architecture</a:t>
             </a:r>
-            <a:endParaRPr/>
+            <a:endParaRPr dirty="0"/>
           </a:p>
           <a:p>
             <a:pPr marL="0" lvl="0" indent="0" algn="l" rtl="0">
@@ -8331,7 +7080,7 @@
               </a:spcAft>
               <a:buNone/>
             </a:pPr>
-            <a:endParaRPr/>
+            <a:endParaRPr dirty="0"/>
           </a:p>
         </p:txBody>
       </p:sp>
@@ -8372,7 +7121,7 @@
             </a:pPr>
             <a:r>
               <a:rPr lang="en-US" dirty="0"/>
-              <a:t>LLM used: llama 3.1-1B with </a:t>
+              <a:t>LLM used: llama 3.1-8B with </a:t>
             </a:r>
             <a:r>
               <a:rPr lang="en-US" dirty="0" err="1"/>
@@ -8417,35 +7166,12 @@
               <a:t>Vector database: </a:t>
             </a:r>
             <a:r>
-              <a:rPr lang="en-US" sz="2400" dirty="0">
+              <a:rPr lang="en-US" dirty="0" err="1">
                 <a:latin typeface="Arial"/>
-                <a:ea typeface="Arial"/>
                 <a:cs typeface="Arial"/>
                 <a:sym typeface="Arial"/>
               </a:rPr>
-              <a:t>nano-</a:t>
-            </a:r>
-            <a:r>
-              <a:rPr lang="en-US" sz="2400" dirty="0" err="1">
-                <a:latin typeface="Arial"/>
-                <a:ea typeface="Arial"/>
-                <a:cs typeface="Arial"/>
-                <a:sym typeface="Arial"/>
-              </a:rPr>
-              <a:t>vectordb</a:t>
-            </a:r>
-            <a:r>
-              <a:rPr lang="en-US" b="1" dirty="0">
-                <a:latin typeface="Arial"/>
-                <a:ea typeface="Arial"/>
-                <a:cs typeface="Arial"/>
-                <a:sym typeface="Arial"/>
-              </a:rPr>
-              <a:t> </a:t>
-            </a:r>
-            <a:r>
-              <a:rPr lang="en-US" dirty="0"/>
-              <a:t>and Json Serialization</a:t>
+              <a:t>chromaDB</a:t>
             </a:r>
             <a:endParaRPr dirty="0"/>
           </a:p>
@@ -8510,7 +7236,7 @@
   <p:cSld>
     <p:spTree>
       <p:nvGrpSpPr>
-        <p:cNvPr id="1" name="Shape 84"/>
+        <p:cNvPr id="1" name=""/>
         <p:cNvGrpSpPr/>
         <p:nvPr/>
       </p:nvGrpSpPr>
@@ -8524,62 +7250,44 @@
       </p:grpSpPr>
       <p:sp>
         <p:nvSpPr>
-          <p:cNvPr id="85" name="Google Shape;85;p16"/>
-          <p:cNvSpPr txBox="1">
+          <p:cNvPr id="2" name="Title 1">
+            <a:extLst>
+              <a:ext uri="{FF2B5EF4-FFF2-40B4-BE49-F238E27FC236}">
+                <a16:creationId xmlns:a16="http://schemas.microsoft.com/office/drawing/2014/main" id="{DF938CF3-1F7C-CA7A-B034-B4739B255FD7}"/>
+              </a:ext>
+            </a:extLst>
+          </p:cNvPr>
+          <p:cNvSpPr>
             <a:spLocks noGrp="1"/>
           </p:cNvSpPr>
           <p:nvPr>
             <p:ph type="title"/>
           </p:nvPr>
         </p:nvSpPr>
-        <p:spPr>
-          <a:xfrm>
-            <a:off x="415600" y="593367"/>
-            <a:ext cx="11360700" cy="943200"/>
-          </a:xfrm>
-          <a:prstGeom prst="rect">
-            <a:avLst/>
-          </a:prstGeom>
-        </p:spPr>
+        <p:spPr/>
         <p:txBody>
-          <a:bodyPr spcFirstLastPara="1" wrap="square" lIns="121900" tIns="121900" rIns="121900" bIns="121900" anchor="t" anchorCtr="0">
+          <a:bodyPr>
             <a:normAutofit fontScale="90000"/>
           </a:bodyPr>
           <a:lstStyle/>
           <a:p>
-            <a:pPr marL="0" lvl="0" indent="0" algn="l" rtl="0">
-              <a:spcBef>
-                <a:spcPts val="0"/>
-              </a:spcBef>
-              <a:spcAft>
-                <a:spcPts val="0"/>
-              </a:spcAft>
-              <a:buNone/>
-            </a:pPr>
             <a:r>
-              <a:rPr lang="en-US"/>
-              <a:t>System requirements</a:t>
+              <a:rPr lang="en-US" dirty="0"/>
+              <a:t>Software Architecture</a:t>
             </a:r>
-            <a:endParaRPr/>
-          </a:p>
-          <a:p>
-            <a:pPr marL="0" lvl="0" indent="0" algn="l" rtl="0">
-              <a:spcBef>
-                <a:spcPts val="0"/>
-              </a:spcBef>
-              <a:spcAft>
-                <a:spcPts val="0"/>
-              </a:spcAft>
-              <a:buNone/>
-            </a:pPr>
-            <a:endParaRPr/>
           </a:p>
         </p:txBody>
       </p:sp>
       <p:sp>
         <p:nvSpPr>
-          <p:cNvPr id="86" name="Google Shape;86;p16"/>
-          <p:cNvSpPr txBox="1">
+          <p:cNvPr id="3" name="Text Placeholder 2">
+            <a:extLst>
+              <a:ext uri="{FF2B5EF4-FFF2-40B4-BE49-F238E27FC236}">
+                <a16:creationId xmlns:a16="http://schemas.microsoft.com/office/drawing/2014/main" id="{B922346E-1840-9DF0-C50E-304F3B7A4CB0}"/>
+              </a:ext>
+            </a:extLst>
+          </p:cNvPr>
+          <p:cNvSpPr>
             <a:spLocks noGrp="1"/>
           </p:cNvSpPr>
           <p:nvPr>
@@ -8588,1834 +7296,71 @@
         </p:nvSpPr>
         <p:spPr>
           <a:xfrm>
-            <a:off x="415600" y="1688433"/>
-            <a:ext cx="11360700" cy="4403700"/>
+            <a:off x="2083956" y="2871510"/>
+            <a:ext cx="7783783" cy="2627256"/>
+          </a:xfrm>
+        </p:spPr>
+        <p:txBody>
+          <a:bodyPr/>
+          <a:lstStyle/>
+          <a:p>
+            <a:endParaRPr lang="en-US" dirty="0"/>
+          </a:p>
+        </p:txBody>
+      </p:sp>
+      <p:pic>
+        <p:nvPicPr>
+          <p:cNvPr id="1026" name="Picture 2" descr="Mastering Retrieval-Augmented Generation (RAG) Architecture: Unleash the  Power of Large Language Models in Your AI Applications(real project  provided) | by allglenn | Stackademic">
+            <a:extLst>
+              <a:ext uri="{FF2B5EF4-FFF2-40B4-BE49-F238E27FC236}">
+                <a16:creationId xmlns:a16="http://schemas.microsoft.com/office/drawing/2014/main" id="{45073A10-3284-41BE-7DB9-DE5A934BBB96}"/>
+              </a:ext>
+            </a:extLst>
+          </p:cNvPr>
+          <p:cNvPicPr>
+            <a:picLocks noChangeAspect="1" noChangeArrowheads="1"/>
+          </p:cNvPicPr>
+          <p:nvPr/>
+        </p:nvPicPr>
+        <p:blipFill>
+          <a:blip r:embed="rId2">
+            <a:extLst>
+              <a:ext uri="{28A0092B-C50C-407E-A947-70E740481C1C}">
+                <a14:useLocalDpi xmlns:a14="http://schemas.microsoft.com/office/drawing/2010/main" val="0"/>
+              </a:ext>
+            </a:extLst>
+          </a:blip>
+          <a:srcRect/>
+          <a:stretch>
+            <a:fillRect/>
+          </a:stretch>
+        </p:blipFill>
+        <p:spPr bwMode="auto">
+          <a:xfrm>
+            <a:off x="2075379" y="1565874"/>
+            <a:ext cx="7812774" cy="4698759"/>
           </a:xfrm>
           <a:prstGeom prst="rect">
             <a:avLst/>
           </a:prstGeom>
+          <a:noFill/>
+          <a:extLst>
+            <a:ext uri="{909E8E84-426E-40DD-AFC4-6F175D3DCCD1}">
+              <a14:hiddenFill xmlns:a14="http://schemas.microsoft.com/office/drawing/2010/main">
+                <a:solidFill>
+                  <a:srgbClr val="FFFFFF"/>
+                </a:solidFill>
+              </a14:hiddenFill>
+            </a:ext>
+          </a:extLst>
         </p:spPr>
-        <p:txBody>
-          <a:bodyPr spcFirstLastPara="1" wrap="square" lIns="121900" tIns="121900" rIns="121900" bIns="121900" anchor="t" anchorCtr="0">
-            <a:normAutofit lnSpcReduction="10000"/>
-          </a:bodyPr>
-          <a:lstStyle/>
-          <a:p>
-            <a:pPr marL="457200" lvl="0" indent="-381000" algn="l" rtl="0">
-              <a:spcBef>
-                <a:spcPts val="1200"/>
-              </a:spcBef>
-              <a:spcAft>
-                <a:spcPts val="0"/>
-              </a:spcAft>
-              <a:buClr>
-                <a:schemeClr val="dk2"/>
-              </a:buClr>
-              <a:buSzPts val="2400"/>
-              <a:buFont typeface="Arial"/>
-              <a:buChar char="●"/>
-            </a:pPr>
-            <a:r>
-              <a:rPr lang="en-US" b="1" dirty="0">
-                <a:latin typeface="Arial"/>
-                <a:ea typeface="Arial"/>
-                <a:cs typeface="Arial"/>
-                <a:sym typeface="Arial"/>
-              </a:rPr>
-              <a:t>Hardware</a:t>
-            </a:r>
-            <a:r>
-              <a:rPr lang="en-US" dirty="0">
-                <a:latin typeface="Arial"/>
-                <a:ea typeface="Arial"/>
-                <a:cs typeface="Arial"/>
-                <a:sym typeface="Arial"/>
-              </a:rPr>
-              <a:t>:</a:t>
-            </a:r>
-            <a:endParaRPr dirty="0">
-              <a:latin typeface="Arial"/>
-              <a:ea typeface="Arial"/>
-              <a:cs typeface="Arial"/>
-              <a:sym typeface="Arial"/>
-            </a:endParaRPr>
-          </a:p>
-          <a:p>
-            <a:pPr marL="914400" lvl="1" indent="-381000" algn="l" rtl="0">
-              <a:spcBef>
-                <a:spcPts val="0"/>
-              </a:spcBef>
-              <a:spcAft>
-                <a:spcPts val="0"/>
-              </a:spcAft>
-              <a:buClr>
-                <a:schemeClr val="dk2"/>
-              </a:buClr>
-              <a:buSzPts val="2400"/>
-              <a:buFont typeface="Arial"/>
-              <a:buChar char="○"/>
-            </a:pPr>
-            <a:r>
-              <a:rPr lang="en-US" sz="2400" b="1" dirty="0">
-                <a:latin typeface="Arial"/>
-                <a:ea typeface="Arial"/>
-                <a:cs typeface="Arial"/>
-                <a:sym typeface="Arial"/>
-              </a:rPr>
-              <a:t>CPU</a:t>
-            </a:r>
-            <a:r>
-              <a:rPr lang="en-US" sz="2400" dirty="0">
-                <a:latin typeface="Arial"/>
-                <a:ea typeface="Arial"/>
-                <a:cs typeface="Arial"/>
-                <a:sym typeface="Arial"/>
-              </a:rPr>
-              <a:t>: 6-core (Intel i7, Apple silicon) minimum, 8-core+ recommended.</a:t>
-            </a:r>
-            <a:endParaRPr sz="2400" dirty="0">
-              <a:latin typeface="Arial"/>
-              <a:ea typeface="Arial"/>
-              <a:cs typeface="Arial"/>
-              <a:sym typeface="Arial"/>
-            </a:endParaRPr>
-          </a:p>
-          <a:p>
-            <a:pPr marL="914400" lvl="1" indent="-381000" algn="l" rtl="0">
-              <a:spcBef>
-                <a:spcPts val="0"/>
-              </a:spcBef>
-              <a:spcAft>
-                <a:spcPts val="0"/>
-              </a:spcAft>
-              <a:buClr>
-                <a:schemeClr val="dk2"/>
-              </a:buClr>
-              <a:buSzPts val="2400"/>
-              <a:buFont typeface="Arial"/>
-              <a:buChar char="○"/>
-            </a:pPr>
-            <a:r>
-              <a:rPr lang="en-US" sz="2400" b="1" dirty="0">
-                <a:latin typeface="Arial"/>
-                <a:ea typeface="Arial"/>
-                <a:cs typeface="Arial"/>
-                <a:sym typeface="Arial"/>
-              </a:rPr>
-              <a:t>GPU</a:t>
-            </a:r>
-            <a:r>
-              <a:rPr lang="en-US" sz="2400" dirty="0">
-                <a:latin typeface="Arial"/>
-                <a:ea typeface="Arial"/>
-                <a:cs typeface="Arial"/>
-                <a:sym typeface="Arial"/>
-              </a:rPr>
-              <a:t>: 8GB VRAM recommended (16GB for larger models).</a:t>
-            </a:r>
-            <a:endParaRPr sz="2400" dirty="0">
-              <a:latin typeface="Arial"/>
-              <a:ea typeface="Arial"/>
-              <a:cs typeface="Arial"/>
-              <a:sym typeface="Arial"/>
-            </a:endParaRPr>
-          </a:p>
-          <a:p>
-            <a:pPr marL="914400" lvl="1" indent="-381000" algn="l" rtl="0">
-              <a:spcBef>
-                <a:spcPts val="0"/>
-              </a:spcBef>
-              <a:spcAft>
-                <a:spcPts val="0"/>
-              </a:spcAft>
-              <a:buClr>
-                <a:schemeClr val="dk2"/>
-              </a:buClr>
-              <a:buSzPts val="2400"/>
-              <a:buFont typeface="Arial"/>
-              <a:buChar char="○"/>
-            </a:pPr>
-            <a:r>
-              <a:rPr lang="en-US" sz="2400" b="1" dirty="0">
-                <a:latin typeface="Arial"/>
-                <a:ea typeface="Arial"/>
-                <a:cs typeface="Arial"/>
-                <a:sym typeface="Arial"/>
-              </a:rPr>
-              <a:t>RAM</a:t>
-            </a:r>
-            <a:r>
-              <a:rPr lang="en-US" sz="2400" dirty="0">
-                <a:latin typeface="Arial"/>
-                <a:ea typeface="Arial"/>
-                <a:cs typeface="Arial"/>
-                <a:sym typeface="Arial"/>
-              </a:rPr>
-              <a:t>: 16GB minimum, 32GB optimal.</a:t>
-            </a:r>
-            <a:endParaRPr sz="2400" dirty="0">
-              <a:latin typeface="Arial"/>
-              <a:ea typeface="Arial"/>
-              <a:cs typeface="Arial"/>
-              <a:sym typeface="Arial"/>
-            </a:endParaRPr>
-          </a:p>
-          <a:p>
-            <a:pPr marL="914400" lvl="1" indent="-381000" algn="l" rtl="0">
-              <a:spcBef>
-                <a:spcPts val="0"/>
-              </a:spcBef>
-              <a:spcAft>
-                <a:spcPts val="0"/>
-              </a:spcAft>
-              <a:buClr>
-                <a:schemeClr val="dk2"/>
-              </a:buClr>
-              <a:buSzPts val="2400"/>
-              <a:buFont typeface="Arial"/>
-              <a:buChar char="○"/>
-            </a:pPr>
-            <a:r>
-              <a:rPr lang="en-US" sz="2400" b="1" dirty="0">
-                <a:latin typeface="Arial"/>
-                <a:ea typeface="Arial"/>
-                <a:cs typeface="Arial"/>
-                <a:sym typeface="Arial"/>
-              </a:rPr>
-              <a:t>Storage</a:t>
-            </a:r>
-            <a:r>
-              <a:rPr lang="en-US" sz="2400" dirty="0">
-                <a:latin typeface="Arial"/>
-                <a:ea typeface="Arial"/>
-                <a:cs typeface="Arial"/>
-                <a:sym typeface="Arial"/>
-              </a:rPr>
-              <a:t>: SSD, 256GB+ free space.</a:t>
-            </a:r>
-            <a:endParaRPr sz="2400" dirty="0">
-              <a:latin typeface="Arial"/>
-              <a:ea typeface="Arial"/>
-              <a:cs typeface="Arial"/>
-              <a:sym typeface="Arial"/>
-            </a:endParaRPr>
-          </a:p>
-          <a:p>
-            <a:pPr marL="457200" lvl="0" indent="-381000" algn="l" rtl="0">
-              <a:spcBef>
-                <a:spcPts val="0"/>
-              </a:spcBef>
-              <a:spcAft>
-                <a:spcPts val="0"/>
-              </a:spcAft>
-              <a:buClr>
-                <a:schemeClr val="dk2"/>
-              </a:buClr>
-              <a:buSzPts val="2400"/>
-              <a:buFont typeface="Arial"/>
-              <a:buChar char="●"/>
-            </a:pPr>
-            <a:r>
-              <a:rPr lang="en-US" b="1" dirty="0">
-                <a:latin typeface="Arial"/>
-                <a:ea typeface="Arial"/>
-                <a:cs typeface="Arial"/>
-                <a:sym typeface="Arial"/>
-              </a:rPr>
-              <a:t>Software</a:t>
-            </a:r>
-            <a:r>
-              <a:rPr lang="en-US" dirty="0">
-                <a:latin typeface="Arial"/>
-                <a:ea typeface="Arial"/>
-                <a:cs typeface="Arial"/>
-                <a:sym typeface="Arial"/>
-              </a:rPr>
-              <a:t>:</a:t>
-            </a:r>
-            <a:endParaRPr dirty="0">
-              <a:latin typeface="Arial"/>
-              <a:ea typeface="Arial"/>
-              <a:cs typeface="Arial"/>
-              <a:sym typeface="Arial"/>
-            </a:endParaRPr>
-          </a:p>
-          <a:p>
-            <a:pPr marL="914400" lvl="1" indent="-381000" algn="l" rtl="0">
-              <a:spcBef>
-                <a:spcPts val="0"/>
-              </a:spcBef>
-              <a:spcAft>
-                <a:spcPts val="0"/>
-              </a:spcAft>
-              <a:buClr>
-                <a:schemeClr val="dk2"/>
-              </a:buClr>
-              <a:buSzPts val="2400"/>
-              <a:buFont typeface="Arial"/>
-              <a:buChar char="○"/>
-            </a:pPr>
-            <a:r>
-              <a:rPr lang="en-US" sz="2400" b="1" dirty="0">
-                <a:latin typeface="Arial"/>
-                <a:ea typeface="Arial"/>
-                <a:cs typeface="Arial"/>
-                <a:sym typeface="Arial"/>
-              </a:rPr>
-              <a:t>OS</a:t>
-            </a:r>
-            <a:r>
-              <a:rPr lang="en-US" sz="2400" dirty="0">
-                <a:latin typeface="Arial"/>
-                <a:ea typeface="Arial"/>
-                <a:cs typeface="Arial"/>
-                <a:sym typeface="Arial"/>
-              </a:rPr>
-              <a:t>: Ubuntu, macOS, or Windows.</a:t>
-            </a:r>
-            <a:endParaRPr sz="2400" dirty="0">
-              <a:latin typeface="Arial"/>
-              <a:ea typeface="Arial"/>
-              <a:cs typeface="Arial"/>
-              <a:sym typeface="Arial"/>
-            </a:endParaRPr>
-          </a:p>
-          <a:p>
-            <a:pPr marL="914400" lvl="1" indent="-381000" algn="l" rtl="0">
-              <a:spcBef>
-                <a:spcPts val="0"/>
-              </a:spcBef>
-              <a:spcAft>
-                <a:spcPts val="0"/>
-              </a:spcAft>
-              <a:buClr>
-                <a:schemeClr val="dk2"/>
-              </a:buClr>
-              <a:buSzPts val="2400"/>
-              <a:buFont typeface="Arial"/>
-              <a:buChar char="○"/>
-            </a:pPr>
-            <a:r>
-              <a:rPr lang="en-US" sz="2400" b="1" dirty="0">
-                <a:latin typeface="Arial"/>
-                <a:ea typeface="Arial"/>
-                <a:cs typeface="Arial"/>
-                <a:sym typeface="Arial"/>
-              </a:rPr>
-              <a:t>Python 3.7+</a:t>
-            </a:r>
-            <a:r>
-              <a:rPr lang="en-US" sz="2400" dirty="0">
-                <a:latin typeface="Arial"/>
-                <a:ea typeface="Arial"/>
-                <a:cs typeface="Arial"/>
-                <a:sym typeface="Arial"/>
-              </a:rPr>
-              <a:t>.</a:t>
-            </a:r>
-            <a:endParaRPr sz="2400" dirty="0">
-              <a:latin typeface="Arial"/>
-              <a:ea typeface="Arial"/>
-              <a:cs typeface="Arial"/>
-              <a:sym typeface="Arial"/>
-            </a:endParaRPr>
-          </a:p>
-          <a:p>
-            <a:pPr marL="914400" lvl="1" indent="-381000" algn="l" rtl="0">
-              <a:spcBef>
-                <a:spcPts val="0"/>
-              </a:spcBef>
-              <a:spcAft>
-                <a:spcPts val="0"/>
-              </a:spcAft>
-              <a:buClr>
-                <a:schemeClr val="dk2"/>
-              </a:buClr>
-              <a:buSzPts val="2400"/>
-              <a:buFont typeface="Arial"/>
-              <a:buChar char="○"/>
-            </a:pPr>
-            <a:r>
-              <a:rPr lang="en-US" sz="2400" b="1" dirty="0">
-                <a:latin typeface="Arial"/>
-                <a:ea typeface="Arial"/>
-                <a:cs typeface="Arial"/>
-                <a:sym typeface="Arial"/>
-              </a:rPr>
-              <a:t>Dependencies</a:t>
-            </a:r>
-            <a:r>
-              <a:rPr lang="en-US" sz="2400" dirty="0">
-                <a:latin typeface="Arial"/>
-                <a:ea typeface="Arial"/>
-                <a:cs typeface="Arial"/>
-                <a:sym typeface="Arial"/>
-              </a:rPr>
-              <a:t>: </a:t>
-            </a:r>
-            <a:r>
-              <a:rPr lang="en-US" sz="2400" dirty="0" err="1">
-                <a:latin typeface="Arial"/>
-                <a:ea typeface="Arial"/>
-                <a:cs typeface="Arial"/>
-                <a:sym typeface="Arial"/>
-              </a:rPr>
-              <a:t>LightRag</a:t>
-            </a:r>
-            <a:r>
-              <a:rPr lang="en-US" sz="2400" dirty="0">
-                <a:latin typeface="Arial"/>
-                <a:ea typeface="Arial"/>
-                <a:cs typeface="Arial"/>
-                <a:sym typeface="Arial"/>
-              </a:rPr>
-              <a:t>, </a:t>
-            </a:r>
-            <a:r>
-              <a:rPr lang="en-US" sz="2400" dirty="0" err="1">
-                <a:latin typeface="Arial"/>
-                <a:ea typeface="Arial"/>
-                <a:cs typeface="Arial"/>
-                <a:sym typeface="Arial"/>
-              </a:rPr>
-              <a:t>nanovector</a:t>
-            </a:r>
-            <a:r>
-              <a:rPr lang="en-US" sz="2400" dirty="0">
-                <a:latin typeface="Arial"/>
-                <a:ea typeface="Arial"/>
-                <a:cs typeface="Arial"/>
-                <a:sym typeface="Arial"/>
-              </a:rPr>
-              <a:t> </a:t>
-            </a:r>
-            <a:r>
-              <a:rPr lang="en-US" sz="2400" dirty="0" err="1">
-                <a:latin typeface="Arial"/>
-                <a:ea typeface="Arial"/>
-                <a:cs typeface="Arial"/>
-                <a:sym typeface="Arial"/>
-              </a:rPr>
-              <a:t>db</a:t>
-            </a:r>
-            <a:r>
-              <a:rPr lang="en-US" sz="2400" dirty="0">
-                <a:latin typeface="Arial"/>
-                <a:ea typeface="Arial"/>
-                <a:cs typeface="Arial"/>
-                <a:sym typeface="Arial"/>
-              </a:rPr>
-              <a:t>, Transformers, Flask/</a:t>
-            </a:r>
-            <a:r>
-              <a:rPr lang="en-US" sz="2400" dirty="0" err="1">
-                <a:latin typeface="Arial"/>
-                <a:ea typeface="Arial"/>
-                <a:cs typeface="Arial"/>
-                <a:sym typeface="Arial"/>
-              </a:rPr>
-              <a:t>FastAPI</a:t>
-            </a:r>
-            <a:r>
-              <a:rPr lang="en-US" sz="2400" dirty="0">
-                <a:latin typeface="Arial"/>
-                <a:ea typeface="Arial"/>
-                <a:cs typeface="Arial"/>
-                <a:sym typeface="Arial"/>
-              </a:rPr>
-              <a:t>, </a:t>
-            </a:r>
-            <a:r>
-              <a:rPr lang="en-US" sz="2400" dirty="0" err="1">
-                <a:latin typeface="Arial"/>
-                <a:ea typeface="Arial"/>
-                <a:cs typeface="Arial"/>
-                <a:sym typeface="Arial"/>
-              </a:rPr>
-              <a:t>pymupdf</a:t>
-            </a:r>
-            <a:endParaRPr sz="2400" dirty="0">
-              <a:latin typeface="Arial"/>
-              <a:ea typeface="Arial"/>
-              <a:cs typeface="Arial"/>
-              <a:sym typeface="Arial"/>
-            </a:endParaRPr>
-          </a:p>
-          <a:p>
-            <a:pPr marL="0" lvl="0" indent="0" algn="l" rtl="0">
-              <a:spcBef>
-                <a:spcPts val="1200"/>
-              </a:spcBef>
-              <a:spcAft>
-                <a:spcPts val="1600"/>
-              </a:spcAft>
-              <a:buNone/>
-            </a:pPr>
-            <a:endParaRPr dirty="0"/>
-          </a:p>
-        </p:txBody>
-      </p:sp>
+      </p:pic>
     </p:spTree>
-  </p:cSld>
-  <p:clrMapOvr>
-    <a:masterClrMapping/>
-  </p:clrMapOvr>
-</p:sld>
-</file>
-
-<file path=ppt/slides/slide5.xml><?xml version="1.0" encoding="utf-8"?>
-<p:sld xmlns:a="http://schemas.openxmlformats.org/drawingml/2006/main" xmlns:r="http://schemas.openxmlformats.org/officeDocument/2006/relationships" xmlns:p="http://schemas.openxmlformats.org/presentationml/2006/main">
-  <p:cSld>
-    <p:spTree>
-      <p:nvGrpSpPr>
-        <p:cNvPr id="1" name="Shape 90"/>
-        <p:cNvGrpSpPr/>
-        <p:nvPr/>
-      </p:nvGrpSpPr>
-      <p:grpSpPr>
-        <a:xfrm>
-          <a:off x="0" y="0"/>
-          <a:ext cx="0" cy="0"/>
-          <a:chOff x="0" y="0"/>
-          <a:chExt cx="0" cy="0"/>
-        </a:xfrm>
-      </p:grpSpPr>
-      <p:sp>
-        <p:nvSpPr>
-          <p:cNvPr id="91" name="Google Shape;91;p17"/>
-          <p:cNvSpPr txBox="1">
-            <a:spLocks noGrp="1"/>
-          </p:cNvSpPr>
-          <p:nvPr>
-            <p:ph type="title"/>
-          </p:nvPr>
-        </p:nvSpPr>
-        <p:spPr>
-          <a:xfrm>
-            <a:off x="415600" y="593367"/>
-            <a:ext cx="11360700" cy="943200"/>
-          </a:xfrm>
-          <a:prstGeom prst="rect">
-            <a:avLst/>
-          </a:prstGeom>
-        </p:spPr>
-        <p:txBody>
-          <a:bodyPr spcFirstLastPara="1" wrap="square" lIns="121900" tIns="121900" rIns="121900" bIns="121900" anchor="t" anchorCtr="0">
-            <a:normAutofit fontScale="90000"/>
-          </a:bodyPr>
-          <a:lstStyle/>
-          <a:p>
-            <a:pPr marL="0" lvl="0" indent="0" algn="l" rtl="0">
-              <a:spcBef>
-                <a:spcPts val="0"/>
-              </a:spcBef>
-              <a:spcAft>
-                <a:spcPts val="0"/>
-              </a:spcAft>
-              <a:buNone/>
-            </a:pPr>
-            <a:r>
-              <a:rPr lang="en-US"/>
-              <a:t>Software Architecture</a:t>
-            </a:r>
-            <a:endParaRPr/>
-          </a:p>
-        </p:txBody>
-      </p:sp>
-      <p:sp>
-        <p:nvSpPr>
-          <p:cNvPr id="92" name="Google Shape;92;p17"/>
-          <p:cNvSpPr txBox="1">
-            <a:spLocks noGrp="1"/>
-          </p:cNvSpPr>
-          <p:nvPr>
-            <p:ph type="body" idx="1"/>
-          </p:nvPr>
-        </p:nvSpPr>
-        <p:spPr>
-          <a:xfrm>
-            <a:off x="415600" y="1650008"/>
-            <a:ext cx="11360700" cy="4403700"/>
-          </a:xfrm>
-          <a:prstGeom prst="rect">
-            <a:avLst/>
-          </a:prstGeom>
-        </p:spPr>
-        <p:txBody>
-          <a:bodyPr spcFirstLastPara="1" wrap="square" lIns="121900" tIns="121900" rIns="121900" bIns="121900" anchor="t" anchorCtr="0">
-            <a:normAutofit fontScale="25000" lnSpcReduction="20000"/>
-          </a:bodyPr>
-          <a:lstStyle/>
-          <a:p>
-            <a:pPr marL="0" lvl="0" indent="0" algn="l" rtl="0">
-              <a:spcBef>
-                <a:spcPts val="1200"/>
-              </a:spcBef>
-              <a:spcAft>
-                <a:spcPts val="0"/>
-              </a:spcAft>
-              <a:buNone/>
-            </a:pPr>
-            <a:r>
-              <a:rPr lang="en-US" sz="8680" b="1" dirty="0">
-                <a:latin typeface="Arial"/>
-                <a:ea typeface="Arial"/>
-                <a:cs typeface="Arial"/>
-                <a:sym typeface="Arial"/>
-              </a:rPr>
-              <a:t>1. Data Processing Layer</a:t>
-            </a:r>
-            <a:endParaRPr sz="8680" b="1" dirty="0">
-              <a:latin typeface="Arial"/>
-              <a:ea typeface="Arial"/>
-              <a:cs typeface="Arial"/>
-              <a:sym typeface="Arial"/>
-            </a:endParaRPr>
-          </a:p>
-          <a:p>
-            <a:pPr marL="457200" lvl="0" indent="-366407" algn="l" rtl="0">
-              <a:spcBef>
-                <a:spcPts val="1200"/>
-              </a:spcBef>
-              <a:spcAft>
-                <a:spcPts val="0"/>
-              </a:spcAft>
-              <a:buClr>
-                <a:schemeClr val="dk2"/>
-              </a:buClr>
-              <a:buSzPct val="100000"/>
-              <a:buFont typeface="Arial"/>
-              <a:buChar char="●"/>
-            </a:pPr>
-            <a:r>
-              <a:rPr lang="en-US" sz="8680" b="1" dirty="0">
-                <a:latin typeface="Arial"/>
-                <a:ea typeface="Arial"/>
-                <a:cs typeface="Arial"/>
-                <a:sym typeface="Arial"/>
-              </a:rPr>
-              <a:t>Text Extraction</a:t>
-            </a:r>
-            <a:r>
-              <a:rPr lang="en-US" sz="8680" dirty="0">
-                <a:latin typeface="Arial"/>
-                <a:ea typeface="Arial"/>
-                <a:cs typeface="Arial"/>
-                <a:sym typeface="Arial"/>
-              </a:rPr>
-              <a:t>: Convert course slides to text with </a:t>
-            </a:r>
-            <a:r>
-              <a:rPr lang="en-US" sz="8680" b="1" dirty="0" err="1">
-                <a:latin typeface="Arial"/>
-                <a:ea typeface="Arial"/>
-                <a:cs typeface="Arial"/>
-                <a:sym typeface="Arial"/>
-              </a:rPr>
-              <a:t>PyMuPDF</a:t>
-            </a:r>
-            <a:r>
-              <a:rPr lang="en-US" sz="8680" dirty="0">
-                <a:latin typeface="Arial"/>
-                <a:ea typeface="Arial"/>
-                <a:cs typeface="Arial"/>
-                <a:sym typeface="Arial"/>
-              </a:rPr>
-              <a:t>.</a:t>
-            </a:r>
-            <a:endParaRPr sz="8680" dirty="0">
-              <a:latin typeface="Arial"/>
-              <a:ea typeface="Arial"/>
-              <a:cs typeface="Arial"/>
-              <a:sym typeface="Arial"/>
-            </a:endParaRPr>
-          </a:p>
-          <a:p>
-            <a:pPr marL="457200" lvl="0" indent="-366407" algn="l" rtl="0">
-              <a:spcBef>
-                <a:spcPts val="0"/>
-              </a:spcBef>
-              <a:spcAft>
-                <a:spcPts val="0"/>
-              </a:spcAft>
-              <a:buClr>
-                <a:schemeClr val="dk2"/>
-              </a:buClr>
-              <a:buSzPct val="100000"/>
-              <a:buFont typeface="Arial"/>
-              <a:buChar char="●"/>
-            </a:pPr>
-            <a:r>
-              <a:rPr lang="en-US" sz="8680" b="1" dirty="0">
-                <a:latin typeface="Arial"/>
-                <a:ea typeface="Arial"/>
-                <a:cs typeface="Arial"/>
-                <a:sym typeface="Arial"/>
-              </a:rPr>
-              <a:t>Embedding Generation</a:t>
-            </a:r>
-            <a:r>
-              <a:rPr lang="en-US" sz="8680" dirty="0">
-                <a:latin typeface="Arial"/>
-                <a:ea typeface="Arial"/>
-                <a:cs typeface="Arial"/>
-                <a:sym typeface="Arial"/>
-              </a:rPr>
-              <a:t>: Used </a:t>
-            </a:r>
-            <a:r>
-              <a:rPr lang="en-US" sz="8680" b="1" dirty="0">
-                <a:latin typeface="Arial"/>
-                <a:ea typeface="Arial"/>
-                <a:cs typeface="Arial"/>
-                <a:sym typeface="Arial"/>
-              </a:rPr>
-              <a:t>nomic-embed</a:t>
-            </a:r>
-            <a:r>
-              <a:rPr lang="en-US" sz="8680" dirty="0">
-                <a:latin typeface="Arial"/>
-                <a:ea typeface="Arial"/>
-                <a:cs typeface="Arial"/>
-                <a:sym typeface="Arial"/>
-              </a:rPr>
-              <a:t> from </a:t>
-            </a:r>
-            <a:r>
-              <a:rPr lang="en-US" sz="8680" dirty="0" err="1">
-                <a:latin typeface="Arial"/>
-                <a:ea typeface="Arial"/>
-                <a:cs typeface="Arial"/>
-                <a:sym typeface="Arial"/>
-              </a:rPr>
-              <a:t>Ollama</a:t>
-            </a:r>
-            <a:r>
-              <a:rPr lang="en-US" sz="8680" dirty="0">
-                <a:latin typeface="Arial"/>
-                <a:ea typeface="Arial"/>
-                <a:cs typeface="Arial"/>
-                <a:sym typeface="Arial"/>
-              </a:rPr>
-              <a:t> to convert text into vector embeddings.</a:t>
-            </a:r>
-            <a:endParaRPr sz="8680" dirty="0">
-              <a:latin typeface="Arial"/>
-              <a:ea typeface="Arial"/>
-              <a:cs typeface="Arial"/>
-              <a:sym typeface="Arial"/>
-            </a:endParaRPr>
-          </a:p>
-          <a:p>
-            <a:pPr marL="0" lvl="0" indent="0" algn="l" rtl="0">
-              <a:spcBef>
-                <a:spcPts val="1200"/>
-              </a:spcBef>
-              <a:spcAft>
-                <a:spcPts val="0"/>
-              </a:spcAft>
-              <a:buNone/>
-            </a:pPr>
-            <a:r>
-              <a:rPr lang="en-US" sz="8680" b="1" dirty="0">
-                <a:latin typeface="Arial"/>
-                <a:ea typeface="Arial"/>
-                <a:cs typeface="Arial"/>
-                <a:sym typeface="Arial"/>
-              </a:rPr>
-              <a:t>2. Embedding and Storage Layer</a:t>
-            </a:r>
-            <a:endParaRPr sz="8680" b="1" dirty="0">
-              <a:latin typeface="Arial"/>
-              <a:ea typeface="Arial"/>
-              <a:cs typeface="Arial"/>
-              <a:sym typeface="Arial"/>
-            </a:endParaRPr>
-          </a:p>
-          <a:p>
-            <a:pPr marL="457200" lvl="0" indent="-366407" algn="l" rtl="0">
-              <a:spcBef>
-                <a:spcPts val="1200"/>
-              </a:spcBef>
-              <a:spcAft>
-                <a:spcPts val="0"/>
-              </a:spcAft>
-              <a:buClr>
-                <a:schemeClr val="dk2"/>
-              </a:buClr>
-              <a:buSzPct val="100000"/>
-              <a:buFont typeface="Arial"/>
-              <a:buChar char="●"/>
-            </a:pPr>
-            <a:r>
-              <a:rPr lang="en-US" sz="8680" b="1" dirty="0">
-                <a:latin typeface="Arial"/>
-                <a:ea typeface="Arial"/>
-                <a:cs typeface="Arial"/>
-                <a:sym typeface="Arial"/>
-              </a:rPr>
-              <a:t>Vector Database</a:t>
-            </a:r>
-            <a:r>
-              <a:rPr lang="en-US" sz="8680" dirty="0">
-                <a:latin typeface="Arial"/>
-                <a:ea typeface="Arial"/>
-                <a:cs typeface="Arial"/>
-                <a:sym typeface="Arial"/>
-              </a:rPr>
-              <a:t>: Store embeddings in </a:t>
-            </a:r>
-            <a:r>
-              <a:rPr lang="en-US" sz="8680" b="1" dirty="0">
-                <a:latin typeface="Arial"/>
-                <a:ea typeface="Arial"/>
-                <a:cs typeface="Arial"/>
-                <a:sym typeface="Arial"/>
-              </a:rPr>
-              <a:t>nano-</a:t>
-            </a:r>
-            <a:r>
-              <a:rPr lang="en-US" sz="8680" b="1" dirty="0" err="1">
-                <a:latin typeface="Arial"/>
-                <a:ea typeface="Arial"/>
-                <a:cs typeface="Arial"/>
-                <a:sym typeface="Arial"/>
-              </a:rPr>
-              <a:t>vectordb</a:t>
-            </a:r>
-            <a:r>
-              <a:rPr lang="en-US" sz="8680" dirty="0">
-                <a:latin typeface="Arial"/>
-                <a:ea typeface="Arial"/>
-                <a:cs typeface="Arial"/>
-                <a:sym typeface="Arial"/>
-              </a:rPr>
-              <a:t> for efficient similarity search and retrieval.</a:t>
-            </a:r>
-            <a:endParaRPr sz="8680" dirty="0">
-              <a:latin typeface="Arial"/>
-              <a:ea typeface="Arial"/>
-              <a:cs typeface="Arial"/>
-              <a:sym typeface="Arial"/>
-            </a:endParaRPr>
-          </a:p>
-          <a:p>
-            <a:pPr marL="457200" lvl="0" indent="-366407" algn="l" rtl="0">
-              <a:spcBef>
-                <a:spcPts val="0"/>
-              </a:spcBef>
-              <a:spcAft>
-                <a:spcPts val="0"/>
-              </a:spcAft>
-              <a:buClr>
-                <a:schemeClr val="dk2"/>
-              </a:buClr>
-              <a:buSzPct val="100000"/>
-              <a:buFont typeface="Arial"/>
-              <a:buChar char="●"/>
-            </a:pPr>
-            <a:r>
-              <a:rPr lang="en-US" sz="8680" b="1" dirty="0">
-                <a:latin typeface="Arial"/>
-                <a:ea typeface="Arial"/>
-                <a:cs typeface="Arial"/>
-                <a:sym typeface="Arial"/>
-              </a:rPr>
-              <a:t>Indexing &amp; Serialization</a:t>
-            </a:r>
-            <a:r>
-              <a:rPr lang="en-US" sz="8680" dirty="0">
-                <a:latin typeface="Arial"/>
-                <a:ea typeface="Arial"/>
-                <a:cs typeface="Arial"/>
-                <a:sym typeface="Arial"/>
-              </a:rPr>
-              <a:t>: They are saved in JSON format for persistent, fast access during queries.</a:t>
-            </a:r>
-            <a:endParaRPr sz="8680" dirty="0">
-              <a:latin typeface="Arial"/>
-              <a:ea typeface="Arial"/>
-              <a:cs typeface="Arial"/>
-              <a:sym typeface="Arial"/>
-            </a:endParaRPr>
-          </a:p>
-          <a:p>
-            <a:pPr marL="0" lvl="0" indent="0" algn="l" rtl="0">
-              <a:spcBef>
-                <a:spcPts val="1200"/>
-              </a:spcBef>
-              <a:spcAft>
-                <a:spcPts val="1600"/>
-              </a:spcAft>
-              <a:buNone/>
-            </a:pPr>
-            <a:endParaRPr dirty="0"/>
-          </a:p>
-        </p:txBody>
-      </p:sp>
-    </p:spTree>
-  </p:cSld>
-  <p:clrMapOvr>
-    <a:masterClrMapping/>
-  </p:clrMapOvr>
-</p:sld>
-</file>
-
-<file path=ppt/slides/slide6.xml><?xml version="1.0" encoding="utf-8"?>
-<p:sld xmlns:a="http://schemas.openxmlformats.org/drawingml/2006/main" xmlns:r="http://schemas.openxmlformats.org/officeDocument/2006/relationships" xmlns:p="http://schemas.openxmlformats.org/presentationml/2006/main">
-  <p:cSld>
-    <p:spTree>
-      <p:nvGrpSpPr>
-        <p:cNvPr id="1" name="Shape 96"/>
-        <p:cNvGrpSpPr/>
-        <p:nvPr/>
-      </p:nvGrpSpPr>
-      <p:grpSpPr>
-        <a:xfrm>
-          <a:off x="0" y="0"/>
-          <a:ext cx="0" cy="0"/>
-          <a:chOff x="0" y="0"/>
-          <a:chExt cx="0" cy="0"/>
-        </a:xfrm>
-      </p:grpSpPr>
-      <p:sp>
-        <p:nvSpPr>
-          <p:cNvPr id="97" name="Google Shape;97;p18"/>
-          <p:cNvSpPr txBox="1">
-            <a:spLocks noGrp="1"/>
-          </p:cNvSpPr>
-          <p:nvPr>
-            <p:ph type="title"/>
-          </p:nvPr>
-        </p:nvSpPr>
-        <p:spPr>
-          <a:xfrm>
-            <a:off x="415600" y="593367"/>
-            <a:ext cx="11360700" cy="943200"/>
-          </a:xfrm>
-          <a:prstGeom prst="rect">
-            <a:avLst/>
-          </a:prstGeom>
-        </p:spPr>
-        <p:txBody>
-          <a:bodyPr spcFirstLastPara="1" wrap="square" lIns="121900" tIns="121900" rIns="121900" bIns="121900" anchor="t" anchorCtr="0">
-            <a:normAutofit fontScale="90000"/>
-          </a:bodyPr>
-          <a:lstStyle/>
-          <a:p>
-            <a:pPr marL="0" lvl="0" indent="0" algn="l" rtl="0">
-              <a:spcBef>
-                <a:spcPts val="0"/>
-              </a:spcBef>
-              <a:spcAft>
-                <a:spcPts val="0"/>
-              </a:spcAft>
-              <a:buNone/>
-            </a:pPr>
-            <a:r>
-              <a:rPr lang="en-US"/>
-              <a:t>Software Architecture</a:t>
-            </a:r>
-            <a:endParaRPr/>
-          </a:p>
-        </p:txBody>
-      </p:sp>
-      <p:sp>
-        <p:nvSpPr>
-          <p:cNvPr id="98" name="Google Shape;98;p18"/>
-          <p:cNvSpPr txBox="1">
-            <a:spLocks noGrp="1"/>
-          </p:cNvSpPr>
-          <p:nvPr>
-            <p:ph type="body" idx="1"/>
-          </p:nvPr>
-        </p:nvSpPr>
-        <p:spPr>
-          <a:xfrm>
-            <a:off x="415600" y="1688433"/>
-            <a:ext cx="11360700" cy="4403700"/>
-          </a:xfrm>
-          <a:prstGeom prst="rect">
-            <a:avLst/>
-          </a:prstGeom>
-        </p:spPr>
-        <p:txBody>
-          <a:bodyPr spcFirstLastPara="1" wrap="square" lIns="121900" tIns="121900" rIns="121900" bIns="121900" anchor="t" anchorCtr="0">
-            <a:normAutofit fontScale="25000" lnSpcReduction="20000"/>
-          </a:bodyPr>
-          <a:lstStyle/>
-          <a:p>
-            <a:pPr marL="0" lvl="0" indent="0" algn="l" rtl="0">
-              <a:spcBef>
-                <a:spcPts val="1200"/>
-              </a:spcBef>
-              <a:spcAft>
-                <a:spcPts val="0"/>
-              </a:spcAft>
-              <a:buNone/>
-            </a:pPr>
-            <a:r>
-              <a:rPr lang="en-US" sz="8680" b="1" dirty="0">
-                <a:latin typeface="Arial"/>
-                <a:ea typeface="Arial"/>
-                <a:cs typeface="Arial"/>
-                <a:sym typeface="Arial"/>
-              </a:rPr>
-              <a:t>3. Query Processing and LLM Layer</a:t>
-            </a:r>
-            <a:endParaRPr sz="8680" b="1" dirty="0">
-              <a:latin typeface="Arial"/>
-              <a:ea typeface="Arial"/>
-              <a:cs typeface="Arial"/>
-              <a:sym typeface="Arial"/>
-            </a:endParaRPr>
-          </a:p>
-          <a:p>
-            <a:pPr marL="457200" lvl="0" indent="-366407" algn="l" rtl="0">
-              <a:spcBef>
-                <a:spcPts val="1200"/>
-              </a:spcBef>
-              <a:spcAft>
-                <a:spcPts val="0"/>
-              </a:spcAft>
-              <a:buClr>
-                <a:schemeClr val="dk2"/>
-              </a:buClr>
-              <a:buSzPct val="100000"/>
-              <a:buFont typeface="Arial"/>
-              <a:buChar char="●"/>
-            </a:pPr>
-            <a:r>
-              <a:rPr lang="en-US" sz="8680" b="1" dirty="0">
-                <a:latin typeface="Arial"/>
-                <a:ea typeface="Arial"/>
-                <a:cs typeface="Arial"/>
-                <a:sym typeface="Arial"/>
-              </a:rPr>
-              <a:t>Prompt Engineering</a:t>
-            </a:r>
-            <a:r>
-              <a:rPr lang="en-US" sz="8680" dirty="0">
-                <a:latin typeface="Arial"/>
-                <a:ea typeface="Arial"/>
-                <a:cs typeface="Arial"/>
-                <a:sym typeface="Arial"/>
-              </a:rPr>
-              <a:t>: Formulate prompts based on question type (MCQ, True/False, Open-ended).</a:t>
-            </a:r>
-            <a:endParaRPr sz="8680" dirty="0">
-              <a:latin typeface="Arial"/>
-              <a:ea typeface="Arial"/>
-              <a:cs typeface="Arial"/>
-              <a:sym typeface="Arial"/>
-            </a:endParaRPr>
-          </a:p>
-          <a:p>
-            <a:pPr marL="457200" lvl="0" indent="-366407" algn="l" rtl="0">
-              <a:spcBef>
-                <a:spcPts val="0"/>
-              </a:spcBef>
-              <a:spcAft>
-                <a:spcPts val="0"/>
-              </a:spcAft>
-              <a:buClr>
-                <a:schemeClr val="dk2"/>
-              </a:buClr>
-              <a:buSzPct val="100000"/>
-              <a:buFont typeface="Arial"/>
-              <a:buChar char="●"/>
-            </a:pPr>
-            <a:r>
-              <a:rPr lang="en-US" sz="8680" b="1" dirty="0">
-                <a:latin typeface="Arial"/>
-                <a:ea typeface="Arial"/>
-                <a:cs typeface="Arial"/>
-                <a:sym typeface="Arial"/>
-              </a:rPr>
-              <a:t>LLM (Llama 3.1)</a:t>
-            </a:r>
-            <a:r>
-              <a:rPr lang="en-US" sz="8680" dirty="0">
-                <a:latin typeface="Arial"/>
-                <a:ea typeface="Arial"/>
-                <a:cs typeface="Arial"/>
-                <a:sym typeface="Arial"/>
-              </a:rPr>
-              <a:t>: Generate responses using local LLM models with relevant context from </a:t>
-            </a:r>
-            <a:r>
-              <a:rPr lang="en-US" sz="8680" dirty="0" err="1">
-                <a:latin typeface="Arial"/>
-                <a:ea typeface="Arial"/>
-                <a:cs typeface="Arial"/>
-                <a:sym typeface="Arial"/>
-              </a:rPr>
-              <a:t>Faiss</a:t>
-            </a:r>
-            <a:r>
-              <a:rPr lang="en-US" sz="8680" dirty="0">
-                <a:latin typeface="Arial"/>
-                <a:ea typeface="Arial"/>
-                <a:cs typeface="Arial"/>
-                <a:sym typeface="Arial"/>
-              </a:rPr>
-              <a:t>.</a:t>
-            </a:r>
-            <a:endParaRPr sz="8680" dirty="0">
-              <a:latin typeface="Arial"/>
-              <a:ea typeface="Arial"/>
-              <a:cs typeface="Arial"/>
-              <a:sym typeface="Arial"/>
-            </a:endParaRPr>
-          </a:p>
-          <a:p>
-            <a:pPr marL="0" lvl="0" indent="0" algn="l" rtl="0">
-              <a:spcBef>
-                <a:spcPts val="1200"/>
-              </a:spcBef>
-              <a:spcAft>
-                <a:spcPts val="0"/>
-              </a:spcAft>
-              <a:buNone/>
-            </a:pPr>
-            <a:r>
-              <a:rPr lang="en-US" sz="8680" b="1" dirty="0">
-                <a:latin typeface="Arial"/>
-                <a:ea typeface="Arial"/>
-                <a:cs typeface="Arial"/>
-                <a:sym typeface="Arial"/>
-              </a:rPr>
-              <a:t>4. User Interface (UI) Layer</a:t>
-            </a:r>
-            <a:endParaRPr sz="8680" b="1" dirty="0">
-              <a:latin typeface="Arial"/>
-              <a:ea typeface="Arial"/>
-              <a:cs typeface="Arial"/>
-              <a:sym typeface="Arial"/>
-            </a:endParaRPr>
-          </a:p>
-          <a:p>
-            <a:pPr marL="457200" lvl="0" indent="-366407" algn="l" rtl="0">
-              <a:spcBef>
-                <a:spcPts val="1200"/>
-              </a:spcBef>
-              <a:spcAft>
-                <a:spcPts val="0"/>
-              </a:spcAft>
-              <a:buClr>
-                <a:schemeClr val="dk2"/>
-              </a:buClr>
-              <a:buSzPct val="100000"/>
-              <a:buFont typeface="Arial"/>
-              <a:buChar char="●"/>
-            </a:pPr>
-            <a:r>
-              <a:rPr lang="en-US" sz="8680" b="1" dirty="0">
-                <a:latin typeface="Arial"/>
-                <a:ea typeface="Arial"/>
-                <a:cs typeface="Arial"/>
-                <a:sym typeface="Arial"/>
-              </a:rPr>
-              <a:t>Frontend Development</a:t>
-            </a:r>
-            <a:r>
-              <a:rPr lang="en-US" sz="8680" dirty="0">
-                <a:latin typeface="Arial"/>
-                <a:ea typeface="Arial"/>
-                <a:cs typeface="Arial"/>
-                <a:sym typeface="Arial"/>
-              </a:rPr>
-              <a:t>: Simple interactive UI using </a:t>
-            </a:r>
-            <a:r>
-              <a:rPr lang="en-US" sz="8680" b="1" dirty="0">
-                <a:latin typeface="Arial"/>
-                <a:ea typeface="Arial"/>
-                <a:cs typeface="Arial"/>
-                <a:sym typeface="Arial"/>
-              </a:rPr>
-              <a:t>Flask/</a:t>
-            </a:r>
-            <a:r>
-              <a:rPr lang="en-US" sz="8680" b="1" dirty="0" err="1">
-                <a:latin typeface="Arial"/>
-                <a:ea typeface="Arial"/>
-                <a:cs typeface="Arial"/>
-                <a:sym typeface="Arial"/>
-              </a:rPr>
-              <a:t>FastAPI</a:t>
-            </a:r>
-            <a:r>
-              <a:rPr lang="en-US" sz="8680" dirty="0">
-                <a:latin typeface="Arial"/>
-                <a:ea typeface="Arial"/>
-                <a:cs typeface="Arial"/>
-                <a:sym typeface="Arial"/>
-              </a:rPr>
-              <a:t>.</a:t>
-            </a:r>
-            <a:endParaRPr sz="8680" dirty="0">
-              <a:latin typeface="Arial"/>
-              <a:ea typeface="Arial"/>
-              <a:cs typeface="Arial"/>
-              <a:sym typeface="Arial"/>
-            </a:endParaRPr>
-          </a:p>
-          <a:p>
-            <a:pPr marL="457200" lvl="0" indent="-366407" algn="l" rtl="0">
-              <a:spcBef>
-                <a:spcPts val="0"/>
-              </a:spcBef>
-              <a:spcAft>
-                <a:spcPts val="0"/>
-              </a:spcAft>
-              <a:buClr>
-                <a:schemeClr val="dk2"/>
-              </a:buClr>
-              <a:buSzPct val="100000"/>
-              <a:buFont typeface="Arial"/>
-              <a:buChar char="●"/>
-            </a:pPr>
-            <a:r>
-              <a:rPr lang="en-US" sz="8680" b="1" dirty="0">
-                <a:latin typeface="Arial"/>
-                <a:ea typeface="Arial"/>
-                <a:cs typeface="Arial"/>
-                <a:sym typeface="Arial"/>
-              </a:rPr>
-              <a:t>User Interaction</a:t>
-            </a:r>
-            <a:r>
-              <a:rPr lang="en-US" sz="8680" dirty="0">
-                <a:latin typeface="Arial"/>
-                <a:ea typeface="Arial"/>
-                <a:cs typeface="Arial"/>
-                <a:sym typeface="Arial"/>
-              </a:rPr>
-              <a:t>: Accepts user input, displays responses, and provides feedback on answer accuracy.</a:t>
-            </a:r>
-            <a:endParaRPr sz="8680" dirty="0">
-              <a:latin typeface="Arial"/>
-              <a:ea typeface="Arial"/>
-              <a:cs typeface="Arial"/>
-              <a:sym typeface="Arial"/>
-            </a:endParaRPr>
-          </a:p>
-          <a:p>
-            <a:pPr marL="457200" lvl="0" indent="-246062" algn="l" rtl="0">
-              <a:spcBef>
-                <a:spcPts val="0"/>
-              </a:spcBef>
-              <a:spcAft>
-                <a:spcPts val="0"/>
-              </a:spcAft>
-              <a:buClr>
-                <a:srgbClr val="000000"/>
-              </a:buClr>
-              <a:buSzPct val="45833"/>
-              <a:buFont typeface="Arial"/>
-              <a:buChar char="●"/>
-            </a:pPr>
-            <a:endParaRPr b="1" dirty="0">
-              <a:latin typeface="Arial"/>
-              <a:ea typeface="Arial"/>
-              <a:cs typeface="Arial"/>
-              <a:sym typeface="Arial"/>
-            </a:endParaRPr>
-          </a:p>
-          <a:p>
-            <a:pPr marL="0" lvl="0" indent="0" algn="l" rtl="0">
-              <a:spcBef>
-                <a:spcPts val="1200"/>
-              </a:spcBef>
-              <a:spcAft>
-                <a:spcPts val="0"/>
-              </a:spcAft>
-              <a:buNone/>
-            </a:pPr>
-            <a:endParaRPr dirty="0"/>
-          </a:p>
-          <a:p>
-            <a:pPr marL="0" lvl="0" indent="0" algn="l" rtl="0">
-              <a:spcBef>
-                <a:spcPts val="1600"/>
-              </a:spcBef>
-              <a:spcAft>
-                <a:spcPts val="1600"/>
-              </a:spcAft>
-              <a:buNone/>
-            </a:pPr>
-            <a:endParaRPr dirty="0"/>
-          </a:p>
-        </p:txBody>
-      </p:sp>
-    </p:spTree>
-  </p:cSld>
-  <p:clrMapOvr>
-    <a:masterClrMapping/>
-  </p:clrMapOvr>
-</p:sld>
-</file>
-
-<file path=ppt/slides/slide7.xml><?xml version="1.0" encoding="utf-8"?>
-<p:sld xmlns:a="http://schemas.openxmlformats.org/drawingml/2006/main" xmlns:r="http://schemas.openxmlformats.org/officeDocument/2006/relationships" xmlns:p="http://schemas.openxmlformats.org/presentationml/2006/main">
-  <p:cSld>
-    <p:spTree>
-      <p:nvGrpSpPr>
-        <p:cNvPr id="1" name="Shape 102"/>
-        <p:cNvGrpSpPr/>
-        <p:nvPr/>
-      </p:nvGrpSpPr>
-      <p:grpSpPr>
-        <a:xfrm>
-          <a:off x="0" y="0"/>
-          <a:ext cx="0" cy="0"/>
-          <a:chOff x="0" y="0"/>
-          <a:chExt cx="0" cy="0"/>
-        </a:xfrm>
-      </p:grpSpPr>
-      <p:sp>
-        <p:nvSpPr>
-          <p:cNvPr id="103" name="Google Shape;103;p19"/>
-          <p:cNvSpPr txBox="1">
-            <a:spLocks noGrp="1"/>
-          </p:cNvSpPr>
-          <p:nvPr>
-            <p:ph type="title"/>
-          </p:nvPr>
-        </p:nvSpPr>
-        <p:spPr>
-          <a:xfrm>
-            <a:off x="415600" y="593367"/>
-            <a:ext cx="11360700" cy="943200"/>
-          </a:xfrm>
-          <a:prstGeom prst="rect">
-            <a:avLst/>
-          </a:prstGeom>
-        </p:spPr>
-        <p:txBody>
-          <a:bodyPr spcFirstLastPara="1" wrap="square" lIns="121900" tIns="121900" rIns="121900" bIns="121900" anchor="t" anchorCtr="0">
-            <a:normAutofit fontScale="90000"/>
-          </a:bodyPr>
-          <a:lstStyle/>
-          <a:p>
-            <a:pPr marL="0" lvl="0" indent="0" algn="l" rtl="0">
-              <a:spcBef>
-                <a:spcPts val="0"/>
-              </a:spcBef>
-              <a:spcAft>
-                <a:spcPts val="0"/>
-              </a:spcAft>
-              <a:buNone/>
-            </a:pPr>
-            <a:r>
-              <a:rPr lang="en-US"/>
-              <a:t>Pros and cons</a:t>
-            </a:r>
-            <a:endParaRPr/>
-          </a:p>
-        </p:txBody>
-      </p:sp>
-      <p:sp>
-        <p:nvSpPr>
-          <p:cNvPr id="104" name="Google Shape;104;p19"/>
-          <p:cNvSpPr txBox="1">
-            <a:spLocks noGrp="1"/>
-          </p:cNvSpPr>
-          <p:nvPr>
-            <p:ph type="body" idx="1"/>
-          </p:nvPr>
-        </p:nvSpPr>
-        <p:spPr>
-          <a:xfrm>
-            <a:off x="415600" y="1688433"/>
-            <a:ext cx="11360700" cy="4403700"/>
-          </a:xfrm>
-          <a:prstGeom prst="rect">
-            <a:avLst/>
-          </a:prstGeom>
-        </p:spPr>
-        <p:txBody>
-          <a:bodyPr spcFirstLastPara="1" wrap="square" lIns="121900" tIns="121900" rIns="121900" bIns="121900" anchor="t" anchorCtr="0">
-            <a:normAutofit/>
-          </a:bodyPr>
-          <a:lstStyle/>
-          <a:p>
-            <a:pPr marL="0" lvl="0" indent="0" algn="l" rtl="0">
-              <a:spcBef>
-                <a:spcPts val="0"/>
-              </a:spcBef>
-              <a:spcAft>
-                <a:spcPts val="0"/>
-              </a:spcAft>
-              <a:buNone/>
-            </a:pPr>
-            <a:r>
-              <a:rPr lang="en-US"/>
-              <a:t>Pros:</a:t>
-            </a:r>
-            <a:endParaRPr/>
-          </a:p>
-          <a:p>
-            <a:pPr marL="457200" lvl="0" indent="-381000" algn="l" rtl="0">
-              <a:spcBef>
-                <a:spcPts val="1600"/>
-              </a:spcBef>
-              <a:spcAft>
-                <a:spcPts val="0"/>
-              </a:spcAft>
-              <a:buSzPts val="2400"/>
-              <a:buChar char="●"/>
-            </a:pPr>
-            <a:r>
-              <a:rPr lang="en-US"/>
-              <a:t>LLM is responsive and fairly quick.</a:t>
-            </a:r>
-            <a:endParaRPr/>
-          </a:p>
-          <a:p>
-            <a:pPr marL="457200" lvl="0" indent="-381000" algn="l" rtl="0">
-              <a:spcBef>
-                <a:spcPts val="0"/>
-              </a:spcBef>
-              <a:spcAft>
-                <a:spcPts val="0"/>
-              </a:spcAft>
-              <a:buSzPts val="2400"/>
-              <a:buChar char="●"/>
-            </a:pPr>
-            <a:r>
-              <a:rPr lang="en-US"/>
-              <a:t>Simple UI</a:t>
-            </a:r>
-            <a:endParaRPr/>
-          </a:p>
-          <a:p>
-            <a:pPr marL="457200" lvl="0" indent="-381000" algn="l" rtl="0">
-              <a:spcBef>
-                <a:spcPts val="0"/>
-              </a:spcBef>
-              <a:spcAft>
-                <a:spcPts val="0"/>
-              </a:spcAft>
-              <a:buSzPts val="2400"/>
-              <a:buChar char="●"/>
-            </a:pPr>
-            <a:r>
-              <a:rPr lang="en-US"/>
-              <a:t>Efficient embedding and storing.</a:t>
-            </a:r>
-            <a:endParaRPr/>
-          </a:p>
-          <a:p>
-            <a:pPr marL="0" lvl="0" indent="0" algn="l" rtl="0">
-              <a:spcBef>
-                <a:spcPts val="1600"/>
-              </a:spcBef>
-              <a:spcAft>
-                <a:spcPts val="0"/>
-              </a:spcAft>
-              <a:buNone/>
-            </a:pPr>
-            <a:r>
-              <a:rPr lang="en-US"/>
-              <a:t>Cons:</a:t>
-            </a:r>
-            <a:endParaRPr/>
-          </a:p>
-          <a:p>
-            <a:pPr marL="457200" lvl="0" indent="-381000" algn="l" rtl="0">
-              <a:spcBef>
-                <a:spcPts val="1600"/>
-              </a:spcBef>
-              <a:spcAft>
-                <a:spcPts val="0"/>
-              </a:spcAft>
-              <a:buSzPts val="2400"/>
-              <a:buChar char="●"/>
-            </a:pPr>
-            <a:r>
-              <a:rPr lang="en-US"/>
-              <a:t>LLM is a memory hog.</a:t>
-            </a:r>
-            <a:endParaRPr/>
-          </a:p>
-        </p:txBody>
-      </p:sp>
-    </p:spTree>
-  </p:cSld>
-  <p:clrMapOvr>
-    <a:masterClrMapping/>
-  </p:clrMapOvr>
-</p:sld>
-</file>
-
-<file path=ppt/slides/slide8.xml><?xml version="1.0" encoding="utf-8"?>
-<p:sld xmlns:a="http://schemas.openxmlformats.org/drawingml/2006/main" xmlns:r="http://schemas.openxmlformats.org/officeDocument/2006/relationships" xmlns:p="http://schemas.openxmlformats.org/presentationml/2006/main">
-  <p:cSld>
-    <p:spTree>
-      <p:nvGrpSpPr>
-        <p:cNvPr id="1" name="Shape 108"/>
-        <p:cNvGrpSpPr/>
-        <p:nvPr/>
-      </p:nvGrpSpPr>
-      <p:grpSpPr>
-        <a:xfrm>
-          <a:off x="0" y="0"/>
-          <a:ext cx="0" cy="0"/>
-          <a:chOff x="0" y="0"/>
-          <a:chExt cx="0" cy="0"/>
-        </a:xfrm>
-      </p:grpSpPr>
-      <p:sp>
-        <p:nvSpPr>
-          <p:cNvPr id="109" name="Google Shape;109;p20"/>
-          <p:cNvSpPr txBox="1">
-            <a:spLocks noGrp="1"/>
-          </p:cNvSpPr>
-          <p:nvPr>
-            <p:ph type="title"/>
-          </p:nvPr>
-        </p:nvSpPr>
-        <p:spPr>
-          <a:xfrm>
-            <a:off x="415600" y="593367"/>
-            <a:ext cx="11360700" cy="943200"/>
-          </a:xfrm>
-          <a:prstGeom prst="rect">
-            <a:avLst/>
-          </a:prstGeom>
-        </p:spPr>
-        <p:txBody>
-          <a:bodyPr spcFirstLastPara="1" wrap="square" lIns="121900" tIns="121900" rIns="121900" bIns="121900" anchor="t" anchorCtr="0">
-            <a:normAutofit fontScale="90000"/>
-          </a:bodyPr>
-          <a:lstStyle/>
-          <a:p>
-            <a:pPr marL="0" lvl="0" indent="0" algn="l" rtl="0">
-              <a:spcBef>
-                <a:spcPts val="0"/>
-              </a:spcBef>
-              <a:spcAft>
-                <a:spcPts val="0"/>
-              </a:spcAft>
-              <a:buNone/>
-            </a:pPr>
-            <a:r>
-              <a:rPr lang="en-US" dirty="0"/>
-              <a:t>Issues experienced and solutions</a:t>
-            </a:r>
-            <a:endParaRPr dirty="0"/>
-          </a:p>
-        </p:txBody>
-      </p:sp>
-      <p:sp>
-        <p:nvSpPr>
-          <p:cNvPr id="110" name="Google Shape;110;p20"/>
-          <p:cNvSpPr txBox="1">
-            <a:spLocks noGrp="1"/>
-          </p:cNvSpPr>
-          <p:nvPr>
-            <p:ph type="body" idx="1"/>
-          </p:nvPr>
-        </p:nvSpPr>
-        <p:spPr>
-          <a:xfrm>
-            <a:off x="415600" y="1688433"/>
-            <a:ext cx="11360700" cy="4403700"/>
-          </a:xfrm>
-          <a:prstGeom prst="rect">
-            <a:avLst/>
-          </a:prstGeom>
-        </p:spPr>
-        <p:txBody>
-          <a:bodyPr spcFirstLastPara="1" wrap="square" lIns="121900" tIns="121900" rIns="121900" bIns="121900" anchor="t" anchorCtr="0">
-            <a:normAutofit fontScale="92500" lnSpcReduction="20000"/>
-          </a:bodyPr>
-          <a:lstStyle/>
-          <a:p>
-            <a:pPr marL="457200" lvl="0" indent="-381000" algn="l" rtl="0">
-              <a:lnSpc>
-                <a:spcPct val="150000"/>
-              </a:lnSpc>
-              <a:spcBef>
-                <a:spcPts val="0"/>
-              </a:spcBef>
-              <a:spcAft>
-                <a:spcPts val="0"/>
-              </a:spcAft>
-              <a:buSzPts val="2400"/>
-              <a:buChar char="●"/>
-            </a:pPr>
-            <a:r>
-              <a:rPr lang="en-US" dirty="0"/>
-              <a:t>Issue: Selecting good model, vector </a:t>
-            </a:r>
-            <a:r>
-              <a:rPr lang="en-US" dirty="0" err="1"/>
-              <a:t>db</a:t>
-            </a:r>
-            <a:r>
-              <a:rPr lang="en-US" dirty="0"/>
-              <a:t> and embedding model which can work together. Solution: found out using </a:t>
-            </a:r>
-            <a:r>
-              <a:rPr lang="en-US" dirty="0" err="1"/>
-              <a:t>youtube</a:t>
-            </a:r>
-            <a:r>
-              <a:rPr lang="en-US" dirty="0"/>
-              <a:t> videos and </a:t>
-            </a:r>
-            <a:r>
-              <a:rPr lang="en-US" dirty="0" err="1"/>
-              <a:t>github</a:t>
-            </a:r>
-            <a:r>
-              <a:rPr lang="en-US" dirty="0"/>
-              <a:t>.</a:t>
-            </a:r>
-            <a:endParaRPr dirty="0"/>
-          </a:p>
-          <a:p>
-            <a:pPr marL="457200" lvl="0" indent="-381000" algn="l" rtl="0">
-              <a:lnSpc>
-                <a:spcPct val="150000"/>
-              </a:lnSpc>
-              <a:spcBef>
-                <a:spcPts val="0"/>
-              </a:spcBef>
-              <a:spcAft>
-                <a:spcPts val="0"/>
-              </a:spcAft>
-              <a:buSzPts val="2400"/>
-              <a:buChar char="●"/>
-            </a:pPr>
-            <a:r>
-              <a:rPr lang="en-US" dirty="0"/>
-              <a:t>Issue: prompt engineering. Solution: tried many variations of the same prompt until the answers from the LLM are </a:t>
-            </a:r>
-            <a:r>
-              <a:rPr lang="en-US" dirty="0" err="1"/>
-              <a:t>upto</a:t>
-            </a:r>
-            <a:r>
-              <a:rPr lang="en-US" dirty="0"/>
-              <a:t> the mark.</a:t>
-            </a:r>
-            <a:endParaRPr dirty="0"/>
-          </a:p>
-          <a:p>
-            <a:pPr marL="457200" lvl="0" indent="-381000" algn="l" rtl="0">
-              <a:lnSpc>
-                <a:spcPct val="150000"/>
-              </a:lnSpc>
-              <a:spcBef>
-                <a:spcPts val="0"/>
-              </a:spcBef>
-              <a:spcAft>
-                <a:spcPts val="0"/>
-              </a:spcAft>
-              <a:buSzPts val="2400"/>
-              <a:buChar char="●"/>
-            </a:pPr>
-            <a:r>
-              <a:rPr lang="en-US" dirty="0"/>
-              <a:t>Issue: slow LLM execution. Solution: experimented with different LLM sizes like 1B, 7B </a:t>
-            </a:r>
-            <a:r>
-              <a:rPr lang="en-US" dirty="0" err="1"/>
-              <a:t>etc</a:t>
-            </a:r>
-            <a:r>
-              <a:rPr lang="en-US" dirty="0"/>
-              <a:t> to get desired performance.</a:t>
-            </a:r>
-            <a:endParaRPr dirty="0"/>
-          </a:p>
-          <a:p>
-            <a:pPr marL="457200" lvl="0" indent="-381000" algn="l" rtl="0">
-              <a:lnSpc>
-                <a:spcPct val="150000"/>
-              </a:lnSpc>
-              <a:spcBef>
-                <a:spcPts val="0"/>
-              </a:spcBef>
-              <a:spcAft>
-                <a:spcPts val="0"/>
-              </a:spcAft>
-              <a:buSzPts val="2400"/>
-              <a:buChar char="●"/>
-            </a:pPr>
-            <a:r>
-              <a:rPr lang="en-US" dirty="0"/>
-              <a:t>Issue: running LLM locally. Solution: used </a:t>
-            </a:r>
-            <a:r>
-              <a:rPr lang="en-US" dirty="0" err="1"/>
-              <a:t>ollama</a:t>
-            </a:r>
-            <a:r>
-              <a:rPr lang="en-US" dirty="0"/>
-              <a:t> which supports python.</a:t>
-            </a:r>
-          </a:p>
-          <a:p>
-            <a:pPr marL="457200" lvl="0" indent="-381000" algn="l" rtl="0">
-              <a:lnSpc>
-                <a:spcPct val="150000"/>
-              </a:lnSpc>
-              <a:spcBef>
-                <a:spcPts val="0"/>
-              </a:spcBef>
-              <a:spcAft>
-                <a:spcPts val="0"/>
-              </a:spcAft>
-              <a:buSzPts val="2400"/>
-              <a:buChar char="●"/>
-            </a:pPr>
-            <a:r>
-              <a:rPr lang="en-US" dirty="0"/>
-              <a:t>Issue: LLM output is very different from </a:t>
-            </a:r>
-            <a:r>
-              <a:rPr lang="en-US" dirty="0" err="1"/>
-              <a:t>json</a:t>
-            </a:r>
-            <a:r>
-              <a:rPr lang="en-US" dirty="0"/>
-              <a:t>. Solution: trying all ways for the LLM to output in </a:t>
-            </a:r>
-            <a:r>
-              <a:rPr lang="en-US" dirty="0" err="1"/>
-              <a:t>json</a:t>
-            </a:r>
-            <a:r>
-              <a:rPr lang="en-US" dirty="0"/>
-              <a:t>.</a:t>
-            </a:r>
-            <a:endParaRPr dirty="0"/>
-          </a:p>
-        </p:txBody>
-      </p:sp>
-    </p:spTree>
-  </p:cSld>
-  <p:clrMapOvr>
-    <a:masterClrMapping/>
-  </p:clrMapOvr>
-</p:sld>
-</file>
-
-<file path=ppt/slides/slide9.xml><?xml version="1.0" encoding="utf-8"?>
-<p:sld xmlns:a="http://schemas.openxmlformats.org/drawingml/2006/main" xmlns:r="http://schemas.openxmlformats.org/officeDocument/2006/relationships" xmlns:p="http://schemas.openxmlformats.org/presentationml/2006/main">
-  <p:cSld>
-    <p:spTree>
-      <p:nvGrpSpPr>
-        <p:cNvPr id="1" name="Shape 114"/>
-        <p:cNvGrpSpPr/>
-        <p:nvPr/>
-      </p:nvGrpSpPr>
-      <p:grpSpPr>
-        <a:xfrm>
-          <a:off x="0" y="0"/>
-          <a:ext cx="0" cy="0"/>
-          <a:chOff x="0" y="0"/>
-          <a:chExt cx="0" cy="0"/>
-        </a:xfrm>
-      </p:grpSpPr>
-      <p:sp>
-        <p:nvSpPr>
-          <p:cNvPr id="115" name="Google Shape;115;p21"/>
-          <p:cNvSpPr txBox="1">
-            <a:spLocks noGrp="1"/>
-          </p:cNvSpPr>
-          <p:nvPr>
-            <p:ph type="title"/>
-          </p:nvPr>
-        </p:nvSpPr>
-        <p:spPr>
-          <a:xfrm>
-            <a:off x="415600" y="593367"/>
-            <a:ext cx="11360700" cy="943200"/>
-          </a:xfrm>
-          <a:prstGeom prst="rect">
-            <a:avLst/>
-          </a:prstGeom>
-        </p:spPr>
-        <p:txBody>
-          <a:bodyPr spcFirstLastPara="1" wrap="square" lIns="121900" tIns="121900" rIns="121900" bIns="121900" anchor="t" anchorCtr="0">
-            <a:normAutofit fontScale="90000"/>
-          </a:bodyPr>
-          <a:lstStyle/>
-          <a:p>
-            <a:pPr marL="0" lvl="0" indent="0" algn="l" rtl="0">
-              <a:spcBef>
-                <a:spcPts val="0"/>
-              </a:spcBef>
-              <a:spcAft>
-                <a:spcPts val="0"/>
-              </a:spcAft>
-              <a:buNone/>
-            </a:pPr>
-            <a:r>
-              <a:rPr lang="en-US"/>
-              <a:t>Conclusion</a:t>
-            </a:r>
-            <a:endParaRPr/>
-          </a:p>
-        </p:txBody>
-      </p:sp>
-      <p:sp>
-        <p:nvSpPr>
-          <p:cNvPr id="116" name="Google Shape;116;p21"/>
-          <p:cNvSpPr txBox="1">
-            <a:spLocks noGrp="1"/>
-          </p:cNvSpPr>
-          <p:nvPr>
-            <p:ph type="body" idx="1"/>
-          </p:nvPr>
-        </p:nvSpPr>
-        <p:spPr>
-          <a:xfrm>
-            <a:off x="415600" y="1688433"/>
-            <a:ext cx="11360700" cy="4403700"/>
-          </a:xfrm>
-          <a:prstGeom prst="rect">
-            <a:avLst/>
-          </a:prstGeom>
-        </p:spPr>
-        <p:txBody>
-          <a:bodyPr spcFirstLastPara="1" wrap="square" lIns="121900" tIns="121900" rIns="121900" bIns="121900" anchor="t" anchorCtr="0">
-            <a:normAutofit/>
-          </a:bodyPr>
-          <a:lstStyle/>
-          <a:p>
-            <a:pPr marL="0" lvl="0" indent="0" algn="l" rtl="0">
-              <a:spcBef>
-                <a:spcPts val="0"/>
-              </a:spcBef>
-              <a:spcAft>
-                <a:spcPts val="1600"/>
-              </a:spcAft>
-              <a:buNone/>
-            </a:pPr>
-            <a:r>
-              <a:rPr lang="en-US" dirty="0"/>
-              <a:t>We have successfully set up the embeddings and vector database using a local LLM using </a:t>
-            </a:r>
-            <a:r>
-              <a:rPr lang="en-US" dirty="0" err="1"/>
-              <a:t>ollama</a:t>
-            </a:r>
-            <a:r>
-              <a:rPr lang="en-US" dirty="0"/>
-              <a:t>. We built a fairly integrated system. Moving forward, the insights gained from these challenges will guide future projects and support the ongoing enhancement of our technical skills.</a:t>
-            </a:r>
-            <a:endParaRPr dirty="0"/>
-          </a:p>
-        </p:txBody>
-      </p:sp>
-    </p:spTree>
+    <p:extLst>
+      <p:ext uri="{BB962C8B-B14F-4D97-AF65-F5344CB8AC3E}">
+        <p14:creationId xmlns:p14="http://schemas.microsoft.com/office/powerpoint/2010/main" val="2054443368"/>
+      </p:ext>
+    </p:extLst>
   </p:cSld>
   <p:clrMapOvr>
     <a:masterClrMapping/>
